--- a/Presentation.pptx
+++ b/Presentation.pptx
@@ -18,16 +18,21 @@
     <p:sldId id="263" r:id="rId12"/>
     <p:sldId id="264" r:id="rId13"/>
     <p:sldId id="265" r:id="rId14"/>
+    <p:sldId id="266" r:id="rId15"/>
+    <p:sldId id="267" r:id="rId16"/>
+    <p:sldId id="268" r:id="rId17"/>
+    <p:sldId id="269" r:id="rId18"/>
+    <p:sldId id="270" r:id="rId19"/>
   </p:sldIdLst>
   <p:sldSz cy="5143500" cx="9144000"/>
   <p:notesSz cx="6858000" cy="9144000"/>
   <p:embeddedFontLst>
     <p:embeddedFont>
       <p:font typeface="Roboto"/>
-      <p:regular r:id="rId15"/>
-      <p:bold r:id="rId16"/>
-      <p:italic r:id="rId17"/>
-      <p:boldItalic r:id="rId18"/>
+      <p:regular r:id="rId20"/>
+      <p:bold r:id="rId21"/>
+      <p:italic r:id="rId22"/>
+      <p:boldItalic r:id="rId23"/>
     </p:embeddedFont>
   </p:embeddedFontLst>
   <p:defaultTextStyle>
@@ -503,7 +508,7 @@
   <p:cSld>
     <p:spTree>
       <p:nvGrpSpPr>
-        <p:cNvPr id="137" name="Shape 137"/>
+        <p:cNvPr id="138" name="Shape 138"/>
         <p:cNvGrpSpPr/>
         <p:nvPr/>
       </p:nvGrpSpPr>
@@ -517,7 +522,7 @@
       </p:grpSpPr>
       <p:sp>
         <p:nvSpPr>
-          <p:cNvPr id="138" name="Shape 138"/>
+          <p:cNvPr id="139" name="Shape 139"/>
           <p:cNvSpPr/>
           <p:nvPr>
             <p:ph idx="2" type="sldImg"/>
@@ -561,7 +566,7 @@
       </p:sp>
       <p:sp>
         <p:nvSpPr>
-          <p:cNvPr id="139" name="Shape 139"/>
+          <p:cNvPr id="140" name="Shape 140"/>
           <p:cNvSpPr txBox="1"/>
           <p:nvPr>
             <p:ph idx="1" type="body"/>
@@ -582,7 +587,19 @@
           </a:bodyPr>
           <a:lstStyle/>
           <a:p>
-            <a:pPr>
+            <a:pPr lvl="0" rtl="0">
+              <a:spcBef>
+                <a:spcPts val="0"/>
+              </a:spcBef>
+              <a:buNone/>
+            </a:pPr>
+            <a:r>
+              <a:rPr lang="en"/>
+              <a:t>we envision it as a palace….</a:t>
+            </a:r>
+          </a:p>
+          <a:p>
+            <a:pPr lvl="0" rtl="0">
               <a:spcBef>
                 <a:spcPts val="0"/>
               </a:spcBef>
@@ -592,6 +609,42 @@
               <a:t/>
             </a:r>
             <a:endParaRPr/>
+          </a:p>
+          <a:p>
+            <a:pPr lvl="0" rtl="0">
+              <a:spcBef>
+                <a:spcPts val="0"/>
+              </a:spcBef>
+              <a:buNone/>
+            </a:pPr>
+            <a:r>
+              <a:rPr lang="en"/>
+              <a:t>in order to help user better focus on the function, on the interaction with others, on the debate, on the clash of great ideas</a:t>
+            </a:r>
+          </a:p>
+          <a:p>
+            <a:pPr lvl="0" rtl="0">
+              <a:spcBef>
+                <a:spcPts val="0"/>
+              </a:spcBef>
+              <a:buNone/>
+            </a:pPr>
+            <a:r>
+              <a:t/>
+            </a:r>
+            <a:endParaRPr/>
+          </a:p>
+          <a:p>
+            <a:pPr lvl="0" rtl="0">
+              <a:spcBef>
+                <a:spcPts val="0"/>
+              </a:spcBef>
+              <a:buNone/>
+            </a:pPr>
+            <a:r>
+              <a:rPr lang="en"/>
+              <a:t>looked up a lot of pictures of early stage websites..</a:t>
+            </a:r>
           </a:p>
         </p:txBody>
       </p:sp>
@@ -603,12 +656,12 @@
 </p:notes>
 </file>
 
-<file path=ppt/notesSlides/notesSlide2.xml><?xml version="1.0" encoding="utf-8"?>
+<file path=ppt/notesSlides/notesSlide11.xml><?xml version="1.0" encoding="utf-8"?>
 <p:notes xmlns:a="http://schemas.openxmlformats.org/drawingml/2006/main" xmlns:r="http://schemas.openxmlformats.org/officeDocument/2006/relationships" xmlns:mc="http://schemas.openxmlformats.org/markup-compatibility/2006" xmlns:mv="urn:schemas-microsoft-com:mac:vml" xmlns:p="http://schemas.openxmlformats.org/presentationml/2006/main" xmlns:c="http://schemas.openxmlformats.org/drawingml/2006/chart" xmlns:dgm="http://schemas.openxmlformats.org/drawingml/2006/diagram" xmlns:o="urn:schemas-microsoft-com:office:office" xmlns:v="urn:schemas-microsoft-com:vml" xmlns:pvml="urn:schemas-microsoft-com:office:powerpoint" xmlns:com="http://schemas.openxmlformats.org/drawingml/2006/compatibility" xmlns:p14="http://schemas.microsoft.com/office/powerpoint/2010/main" showMasterPhAnim="0" showMasterSp="0">
   <p:cSld>
     <p:spTree>
       <p:nvGrpSpPr>
-        <p:cNvPr id="86" name="Shape 86"/>
+        <p:cNvPr id="146" name="Shape 146"/>
         <p:cNvGrpSpPr/>
         <p:nvPr/>
       </p:nvGrpSpPr>
@@ -622,7 +675,7 @@
       </p:grpSpPr>
       <p:sp>
         <p:nvSpPr>
-          <p:cNvPr id="87" name="Shape 87"/>
+          <p:cNvPr id="147" name="Shape 147"/>
           <p:cNvSpPr/>
           <p:nvPr>
             <p:ph idx="2" type="sldImg"/>
@@ -666,7 +719,7 @@
       </p:sp>
       <p:sp>
         <p:nvSpPr>
-          <p:cNvPr id="88" name="Shape 88"/>
+          <p:cNvPr id="148" name="Shape 148"/>
           <p:cNvSpPr txBox="1"/>
           <p:nvPr>
             <p:ph idx="1" type="body"/>
@@ -687,7 +740,19 @@
           </a:bodyPr>
           <a:lstStyle/>
           <a:p>
-            <a:pPr>
+            <a:pPr lvl="0" rtl="0">
+              <a:spcBef>
+                <a:spcPts val="0"/>
+              </a:spcBef>
+              <a:buNone/>
+            </a:pPr>
+            <a:r>
+              <a:rPr lang="en"/>
+              <a:t>we envision it as a palace….</a:t>
+            </a:r>
+          </a:p>
+          <a:p>
+            <a:pPr lvl="0" rtl="0">
               <a:spcBef>
                 <a:spcPts val="0"/>
               </a:spcBef>
@@ -697,6 +762,42 @@
               <a:t/>
             </a:r>
             <a:endParaRPr/>
+          </a:p>
+          <a:p>
+            <a:pPr lvl="0" rtl="0">
+              <a:spcBef>
+                <a:spcPts val="0"/>
+              </a:spcBef>
+              <a:buNone/>
+            </a:pPr>
+            <a:r>
+              <a:rPr lang="en"/>
+              <a:t>in order to help user better focus on the function, on the interaction with others, on the debate, on the clash of great ideas</a:t>
+            </a:r>
+          </a:p>
+          <a:p>
+            <a:pPr lvl="0" rtl="0">
+              <a:spcBef>
+                <a:spcPts val="0"/>
+              </a:spcBef>
+              <a:buNone/>
+            </a:pPr>
+            <a:r>
+              <a:t/>
+            </a:r>
+            <a:endParaRPr/>
+          </a:p>
+          <a:p>
+            <a:pPr lvl="0" rtl="0">
+              <a:spcBef>
+                <a:spcPts val="0"/>
+              </a:spcBef>
+              <a:buNone/>
+            </a:pPr>
+            <a:r>
+              <a:rPr lang="en"/>
+              <a:t>looked up a lot of pictures of early stage websites..</a:t>
+            </a:r>
           </a:p>
         </p:txBody>
       </p:sp>
@@ -708,12 +809,12 @@
 </p:notes>
 </file>
 
-<file path=ppt/notesSlides/notesSlide3.xml><?xml version="1.0" encoding="utf-8"?>
+<file path=ppt/notesSlides/notesSlide12.xml><?xml version="1.0" encoding="utf-8"?>
 <p:notes xmlns:a="http://schemas.openxmlformats.org/drawingml/2006/main" xmlns:r="http://schemas.openxmlformats.org/officeDocument/2006/relationships" xmlns:mc="http://schemas.openxmlformats.org/markup-compatibility/2006" xmlns:mv="urn:schemas-microsoft-com:mac:vml" xmlns:p="http://schemas.openxmlformats.org/presentationml/2006/main" xmlns:c="http://schemas.openxmlformats.org/drawingml/2006/chart" xmlns:dgm="http://schemas.openxmlformats.org/drawingml/2006/diagram" xmlns:o="urn:schemas-microsoft-com:office:office" xmlns:v="urn:schemas-microsoft-com:vml" xmlns:pvml="urn:schemas-microsoft-com:office:powerpoint" xmlns:com="http://schemas.openxmlformats.org/drawingml/2006/compatibility" xmlns:p14="http://schemas.microsoft.com/office/powerpoint/2010/main" showMasterPhAnim="0" showMasterSp="0">
   <p:cSld>
     <p:spTree>
       <p:nvGrpSpPr>
-        <p:cNvPr id="92" name="Shape 92"/>
+        <p:cNvPr id="154" name="Shape 154"/>
         <p:cNvGrpSpPr/>
         <p:nvPr/>
       </p:nvGrpSpPr>
@@ -727,7 +828,7 @@
       </p:grpSpPr>
       <p:sp>
         <p:nvSpPr>
-          <p:cNvPr id="93" name="Shape 93"/>
+          <p:cNvPr id="155" name="Shape 155"/>
           <p:cNvSpPr/>
           <p:nvPr>
             <p:ph idx="2" type="sldImg"/>
@@ -771,7 +872,7 @@
       </p:sp>
       <p:sp>
         <p:nvSpPr>
-          <p:cNvPr id="94" name="Shape 94"/>
+          <p:cNvPr id="156" name="Shape 156"/>
           <p:cNvSpPr txBox="1"/>
           <p:nvPr>
             <p:ph idx="1" type="body"/>
@@ -792,7 +893,7 @@
           </a:bodyPr>
           <a:lstStyle/>
           <a:p>
-            <a:pPr>
+            <a:pPr lvl="0" rtl="0">
               <a:spcBef>
                 <a:spcPts val="0"/>
               </a:spcBef>
@@ -813,12 +914,12 @@
 </p:notes>
 </file>
 
-<file path=ppt/notesSlides/notesSlide4.xml><?xml version="1.0" encoding="utf-8"?>
+<file path=ppt/notesSlides/notesSlide13.xml><?xml version="1.0" encoding="utf-8"?>
 <p:notes xmlns:a="http://schemas.openxmlformats.org/drawingml/2006/main" xmlns:r="http://schemas.openxmlformats.org/officeDocument/2006/relationships" xmlns:mc="http://schemas.openxmlformats.org/markup-compatibility/2006" xmlns:mv="urn:schemas-microsoft-com:mac:vml" xmlns:p="http://schemas.openxmlformats.org/presentationml/2006/main" xmlns:c="http://schemas.openxmlformats.org/drawingml/2006/chart" xmlns:dgm="http://schemas.openxmlformats.org/drawingml/2006/diagram" xmlns:o="urn:schemas-microsoft-com:office:office" xmlns:v="urn:schemas-microsoft-com:vml" xmlns:pvml="urn:schemas-microsoft-com:office:powerpoint" xmlns:com="http://schemas.openxmlformats.org/drawingml/2006/compatibility" xmlns:p14="http://schemas.microsoft.com/office/powerpoint/2010/main" showMasterPhAnim="0" showMasterSp="0">
   <p:cSld>
     <p:spTree>
       <p:nvGrpSpPr>
-        <p:cNvPr id="98" name="Shape 98"/>
+        <p:cNvPr id="159" name="Shape 159"/>
         <p:cNvGrpSpPr/>
         <p:nvPr/>
       </p:nvGrpSpPr>
@@ -832,7 +933,7 @@
       </p:grpSpPr>
       <p:sp>
         <p:nvSpPr>
-          <p:cNvPr id="99" name="Shape 99"/>
+          <p:cNvPr id="160" name="Shape 160"/>
           <p:cNvSpPr/>
           <p:nvPr>
             <p:ph idx="2" type="sldImg"/>
@@ -876,7 +977,7 @@
       </p:sp>
       <p:sp>
         <p:nvSpPr>
-          <p:cNvPr id="100" name="Shape 100"/>
+          <p:cNvPr id="161" name="Shape 161"/>
           <p:cNvSpPr txBox="1"/>
           <p:nvPr>
             <p:ph idx="1" type="body"/>
@@ -897,7 +998,7 @@
           </a:bodyPr>
           <a:lstStyle/>
           <a:p>
-            <a:pPr lvl="0" rtl="0">
+            <a:pPr>
               <a:spcBef>
                 <a:spcPts val="0"/>
               </a:spcBef>
@@ -918,12 +1019,12 @@
 </p:notes>
 </file>
 
-<file path=ppt/notesSlides/notesSlide5.xml><?xml version="1.0" encoding="utf-8"?>
+<file path=ppt/notesSlides/notesSlide14.xml><?xml version="1.0" encoding="utf-8"?>
 <p:notes xmlns:a="http://schemas.openxmlformats.org/drawingml/2006/main" xmlns:r="http://schemas.openxmlformats.org/officeDocument/2006/relationships" xmlns:mc="http://schemas.openxmlformats.org/markup-compatibility/2006" xmlns:mv="urn:schemas-microsoft-com:mac:vml" xmlns:p="http://schemas.openxmlformats.org/presentationml/2006/main" xmlns:c="http://schemas.openxmlformats.org/drawingml/2006/chart" xmlns:dgm="http://schemas.openxmlformats.org/drawingml/2006/diagram" xmlns:o="urn:schemas-microsoft-com:office:office" xmlns:v="urn:schemas-microsoft-com:vml" xmlns:pvml="urn:schemas-microsoft-com:office:powerpoint" xmlns:com="http://schemas.openxmlformats.org/drawingml/2006/compatibility" xmlns:p14="http://schemas.microsoft.com/office/powerpoint/2010/main" showMasterPhAnim="0" showMasterSp="0">
   <p:cSld>
     <p:spTree>
       <p:nvGrpSpPr>
-        <p:cNvPr id="105" name="Shape 105"/>
+        <p:cNvPr id="164" name="Shape 164"/>
         <p:cNvGrpSpPr/>
         <p:nvPr/>
       </p:nvGrpSpPr>
@@ -937,7 +1038,7 @@
       </p:grpSpPr>
       <p:sp>
         <p:nvSpPr>
-          <p:cNvPr id="106" name="Shape 106"/>
+          <p:cNvPr id="165" name="Shape 165"/>
           <p:cNvSpPr/>
           <p:nvPr>
             <p:ph idx="2" type="sldImg"/>
@@ -981,7 +1082,7 @@
       </p:sp>
       <p:sp>
         <p:nvSpPr>
-          <p:cNvPr id="107" name="Shape 107"/>
+          <p:cNvPr id="166" name="Shape 166"/>
           <p:cNvSpPr txBox="1"/>
           <p:nvPr>
             <p:ph idx="1" type="body"/>
@@ -1002,7 +1103,7 @@
           </a:bodyPr>
           <a:lstStyle/>
           <a:p>
-            <a:pPr>
+            <a:pPr lvl="0" rtl="0">
               <a:spcBef>
                 <a:spcPts val="0"/>
               </a:spcBef>
@@ -1023,12 +1124,12 @@
 </p:notes>
 </file>
 
-<file path=ppt/notesSlides/notesSlide6.xml><?xml version="1.0" encoding="utf-8"?>
+<file path=ppt/notesSlides/notesSlide15.xml><?xml version="1.0" encoding="utf-8"?>
 <p:notes xmlns:a="http://schemas.openxmlformats.org/drawingml/2006/main" xmlns:r="http://schemas.openxmlformats.org/officeDocument/2006/relationships" xmlns:mc="http://schemas.openxmlformats.org/markup-compatibility/2006" xmlns:mv="urn:schemas-microsoft-com:mac:vml" xmlns:p="http://schemas.openxmlformats.org/presentationml/2006/main" xmlns:c="http://schemas.openxmlformats.org/drawingml/2006/chart" xmlns:dgm="http://schemas.openxmlformats.org/drawingml/2006/diagram" xmlns:o="urn:schemas-microsoft-com:office:office" xmlns:v="urn:schemas-microsoft-com:vml" xmlns:pvml="urn:schemas-microsoft-com:office:powerpoint" xmlns:com="http://schemas.openxmlformats.org/drawingml/2006/compatibility" xmlns:p14="http://schemas.microsoft.com/office/powerpoint/2010/main" showMasterPhAnim="0" showMasterSp="0">
   <p:cSld>
     <p:spTree>
       <p:nvGrpSpPr>
-        <p:cNvPr id="111" name="Shape 111"/>
+        <p:cNvPr id="170" name="Shape 170"/>
         <p:cNvGrpSpPr/>
         <p:nvPr/>
       </p:nvGrpSpPr>
@@ -1042,7 +1143,7 @@
       </p:grpSpPr>
       <p:sp>
         <p:nvSpPr>
-          <p:cNvPr id="112" name="Shape 112"/>
+          <p:cNvPr id="171" name="Shape 171"/>
           <p:cNvSpPr/>
           <p:nvPr>
             <p:ph idx="2" type="sldImg"/>
@@ -1086,7 +1187,7 @@
       </p:sp>
       <p:sp>
         <p:nvSpPr>
-          <p:cNvPr id="113" name="Shape 113"/>
+          <p:cNvPr id="172" name="Shape 172"/>
           <p:cNvSpPr txBox="1"/>
           <p:nvPr>
             <p:ph idx="1" type="body"/>
@@ -1107,7 +1208,7 @@
           </a:bodyPr>
           <a:lstStyle/>
           <a:p>
-            <a:pPr>
+            <a:pPr lvl="0" rtl="0">
               <a:spcBef>
                 <a:spcPts val="0"/>
               </a:spcBef>
@@ -1128,12 +1229,12 @@
 </p:notes>
 </file>
 
-<file path=ppt/notesSlides/notesSlide7.xml><?xml version="1.0" encoding="utf-8"?>
+<file path=ppt/notesSlides/notesSlide2.xml><?xml version="1.0" encoding="utf-8"?>
 <p:notes xmlns:a="http://schemas.openxmlformats.org/drawingml/2006/main" xmlns:r="http://schemas.openxmlformats.org/officeDocument/2006/relationships" xmlns:mc="http://schemas.openxmlformats.org/markup-compatibility/2006" xmlns:mv="urn:schemas-microsoft-com:mac:vml" xmlns:p="http://schemas.openxmlformats.org/presentationml/2006/main" xmlns:c="http://schemas.openxmlformats.org/drawingml/2006/chart" xmlns:dgm="http://schemas.openxmlformats.org/drawingml/2006/diagram" xmlns:o="urn:schemas-microsoft-com:office:office" xmlns:v="urn:schemas-microsoft-com:vml" xmlns:pvml="urn:schemas-microsoft-com:office:powerpoint" xmlns:com="http://schemas.openxmlformats.org/drawingml/2006/compatibility" xmlns:p14="http://schemas.microsoft.com/office/powerpoint/2010/main" showMasterPhAnim="0" showMasterSp="0">
   <p:cSld>
     <p:spTree>
       <p:nvGrpSpPr>
-        <p:cNvPr id="118" name="Shape 118"/>
+        <p:cNvPr id="87" name="Shape 87"/>
         <p:cNvGrpSpPr/>
         <p:nvPr/>
       </p:nvGrpSpPr>
@@ -1147,7 +1248,7 @@
       </p:grpSpPr>
       <p:sp>
         <p:nvSpPr>
-          <p:cNvPr id="119" name="Shape 119"/>
+          <p:cNvPr id="88" name="Shape 88"/>
           <p:cNvSpPr/>
           <p:nvPr>
             <p:ph idx="2" type="sldImg"/>
@@ -1191,7 +1292,7 @@
       </p:sp>
       <p:sp>
         <p:nvSpPr>
-          <p:cNvPr id="120" name="Shape 120"/>
+          <p:cNvPr id="89" name="Shape 89"/>
           <p:cNvSpPr txBox="1"/>
           <p:nvPr>
             <p:ph idx="1" type="body"/>
@@ -1212,7 +1313,19 @@
           </a:bodyPr>
           <a:lstStyle/>
           <a:p>
-            <a:pPr>
+            <a:pPr lvl="0" rtl="0">
+              <a:spcBef>
+                <a:spcPts val="0"/>
+              </a:spcBef>
+              <a:buNone/>
+            </a:pPr>
+            <a:r>
+              <a:rPr lang="en"/>
+              <a:t>we envision it as a palace….</a:t>
+            </a:r>
+          </a:p>
+          <a:p>
+            <a:pPr lvl="0" rtl="0">
               <a:spcBef>
                 <a:spcPts val="0"/>
               </a:spcBef>
@@ -1222,6 +1335,42 @@
               <a:t/>
             </a:r>
             <a:endParaRPr/>
+          </a:p>
+          <a:p>
+            <a:pPr lvl="0" rtl="0">
+              <a:spcBef>
+                <a:spcPts val="0"/>
+              </a:spcBef>
+              <a:buNone/>
+            </a:pPr>
+            <a:r>
+              <a:rPr lang="en"/>
+              <a:t>in order to help user better focus on the function, on the interaction with others, on the debate, on the clash of great ideas</a:t>
+            </a:r>
+          </a:p>
+          <a:p>
+            <a:pPr lvl="0" rtl="0">
+              <a:spcBef>
+                <a:spcPts val="0"/>
+              </a:spcBef>
+              <a:buNone/>
+            </a:pPr>
+            <a:r>
+              <a:t/>
+            </a:r>
+            <a:endParaRPr/>
+          </a:p>
+          <a:p>
+            <a:pPr lvl="0" rtl="0">
+              <a:spcBef>
+                <a:spcPts val="0"/>
+              </a:spcBef>
+              <a:buNone/>
+            </a:pPr>
+            <a:r>
+              <a:rPr lang="en"/>
+              <a:t>looked up a lot of pictures of early stage websites..</a:t>
+            </a:r>
           </a:p>
         </p:txBody>
       </p:sp>
@@ -1233,12 +1382,12 @@
 </p:notes>
 </file>
 
-<file path=ppt/notesSlides/notesSlide8.xml><?xml version="1.0" encoding="utf-8"?>
+<file path=ppt/notesSlides/notesSlide3.xml><?xml version="1.0" encoding="utf-8"?>
 <p:notes xmlns:a="http://schemas.openxmlformats.org/drawingml/2006/main" xmlns:r="http://schemas.openxmlformats.org/officeDocument/2006/relationships" xmlns:mc="http://schemas.openxmlformats.org/markup-compatibility/2006" xmlns:mv="urn:schemas-microsoft-com:mac:vml" xmlns:p="http://schemas.openxmlformats.org/presentationml/2006/main" xmlns:c="http://schemas.openxmlformats.org/drawingml/2006/chart" xmlns:dgm="http://schemas.openxmlformats.org/drawingml/2006/diagram" xmlns:o="urn:schemas-microsoft-com:office:office" xmlns:v="urn:schemas-microsoft-com:vml" xmlns:pvml="urn:schemas-microsoft-com:office:powerpoint" xmlns:com="http://schemas.openxmlformats.org/drawingml/2006/compatibility" xmlns:p14="http://schemas.microsoft.com/office/powerpoint/2010/main" showMasterPhAnim="0" showMasterSp="0">
   <p:cSld>
     <p:spTree>
       <p:nvGrpSpPr>
-        <p:cNvPr id="124" name="Shape 124"/>
+        <p:cNvPr id="93" name="Shape 93"/>
         <p:cNvGrpSpPr/>
         <p:nvPr/>
       </p:nvGrpSpPr>
@@ -1252,7 +1401,7 @@
       </p:grpSpPr>
       <p:sp>
         <p:nvSpPr>
-          <p:cNvPr id="125" name="Shape 125"/>
+          <p:cNvPr id="94" name="Shape 94"/>
           <p:cNvSpPr/>
           <p:nvPr>
             <p:ph idx="2" type="sldImg"/>
@@ -1296,7 +1445,7 @@
       </p:sp>
       <p:sp>
         <p:nvSpPr>
-          <p:cNvPr id="126" name="Shape 126"/>
+          <p:cNvPr id="95" name="Shape 95"/>
           <p:cNvSpPr txBox="1"/>
           <p:nvPr>
             <p:ph idx="1" type="body"/>
@@ -1317,7 +1466,19 @@
           </a:bodyPr>
           <a:lstStyle/>
           <a:p>
-            <a:pPr lvl="0" rtl="0">
+            <a:pPr rtl="0">
+              <a:spcBef>
+                <a:spcPts val="0"/>
+              </a:spcBef>
+              <a:buNone/>
+            </a:pPr>
+            <a:r>
+              <a:rPr lang="en"/>
+              <a:t>we envision it as a palace….</a:t>
+            </a:r>
+          </a:p>
+          <a:p>
+            <a:pPr rtl="0">
               <a:spcBef>
                 <a:spcPts val="0"/>
               </a:spcBef>
@@ -1327,6 +1488,42 @@
               <a:t/>
             </a:r>
             <a:endParaRPr/>
+          </a:p>
+          <a:p>
+            <a:pPr rtl="0">
+              <a:spcBef>
+                <a:spcPts val="0"/>
+              </a:spcBef>
+              <a:buNone/>
+            </a:pPr>
+            <a:r>
+              <a:rPr lang="en"/>
+              <a:t>in order to help user better focus on the function, on the interaction with others, on the debate, on the clash of great ideas</a:t>
+            </a:r>
+          </a:p>
+          <a:p>
+            <a:pPr rtl="0">
+              <a:spcBef>
+                <a:spcPts val="0"/>
+              </a:spcBef>
+              <a:buNone/>
+            </a:pPr>
+            <a:r>
+              <a:t/>
+            </a:r>
+            <a:endParaRPr/>
+          </a:p>
+          <a:p>
+            <a:pPr>
+              <a:spcBef>
+                <a:spcPts val="0"/>
+              </a:spcBef>
+              <a:buNone/>
+            </a:pPr>
+            <a:r>
+              <a:rPr lang="en"/>
+              <a:t>looked up a lot of pictures of early stage websites..</a:t>
+            </a:r>
           </a:p>
         </p:txBody>
       </p:sp>
@@ -1338,12 +1535,12 @@
 </p:notes>
 </file>
 
-<file path=ppt/notesSlides/notesSlide9.xml><?xml version="1.0" encoding="utf-8"?>
+<file path=ppt/notesSlides/notesSlide4.xml><?xml version="1.0" encoding="utf-8"?>
 <p:notes xmlns:a="http://schemas.openxmlformats.org/drawingml/2006/main" xmlns:r="http://schemas.openxmlformats.org/officeDocument/2006/relationships" xmlns:mc="http://schemas.openxmlformats.org/markup-compatibility/2006" xmlns:mv="urn:schemas-microsoft-com:mac:vml" xmlns:p="http://schemas.openxmlformats.org/presentationml/2006/main" xmlns:c="http://schemas.openxmlformats.org/drawingml/2006/chart" xmlns:dgm="http://schemas.openxmlformats.org/drawingml/2006/diagram" xmlns:o="urn:schemas-microsoft-com:office:office" xmlns:v="urn:schemas-microsoft-com:vml" xmlns:pvml="urn:schemas-microsoft-com:office:powerpoint" xmlns:com="http://schemas.openxmlformats.org/drawingml/2006/compatibility" xmlns:p14="http://schemas.microsoft.com/office/powerpoint/2010/main" showMasterPhAnim="0" showMasterSp="0">
   <p:cSld>
     <p:spTree>
       <p:nvGrpSpPr>
-        <p:cNvPr id="131" name="Shape 131"/>
+        <p:cNvPr id="99" name="Shape 99"/>
         <p:cNvGrpSpPr/>
         <p:nvPr/>
       </p:nvGrpSpPr>
@@ -1357,7 +1554,7 @@
       </p:grpSpPr>
       <p:sp>
         <p:nvSpPr>
-          <p:cNvPr id="132" name="Shape 132"/>
+          <p:cNvPr id="100" name="Shape 100"/>
           <p:cNvSpPr/>
           <p:nvPr>
             <p:ph idx="2" type="sldImg"/>
@@ -1401,7 +1598,7 @@
       </p:sp>
       <p:sp>
         <p:nvSpPr>
-          <p:cNvPr id="133" name="Shape 133"/>
+          <p:cNvPr id="101" name="Shape 101"/>
           <p:cNvSpPr txBox="1"/>
           <p:nvPr>
             <p:ph idx="1" type="body"/>
@@ -1422,6 +1619,111 @@
           </a:bodyPr>
           <a:lstStyle/>
           <a:p>
+            <a:pPr lvl="0" rtl="0">
+              <a:spcBef>
+                <a:spcPts val="0"/>
+              </a:spcBef>
+              <a:buNone/>
+            </a:pPr>
+            <a:r>
+              <a:t/>
+            </a:r>
+            <a:endParaRPr/>
+          </a:p>
+        </p:txBody>
+      </p:sp>
+    </p:spTree>
+  </p:cSld>
+  <p:clrMapOvr>
+    <a:masterClrMapping/>
+  </p:clrMapOvr>
+</p:notes>
+</file>
+
+<file path=ppt/notesSlides/notesSlide5.xml><?xml version="1.0" encoding="utf-8"?>
+<p:notes xmlns:a="http://schemas.openxmlformats.org/drawingml/2006/main" xmlns:r="http://schemas.openxmlformats.org/officeDocument/2006/relationships" xmlns:mc="http://schemas.openxmlformats.org/markup-compatibility/2006" xmlns:mv="urn:schemas-microsoft-com:mac:vml" xmlns:p="http://schemas.openxmlformats.org/presentationml/2006/main" xmlns:c="http://schemas.openxmlformats.org/drawingml/2006/chart" xmlns:dgm="http://schemas.openxmlformats.org/drawingml/2006/diagram" xmlns:o="urn:schemas-microsoft-com:office:office" xmlns:v="urn:schemas-microsoft-com:vml" xmlns:pvml="urn:schemas-microsoft-com:office:powerpoint" xmlns:com="http://schemas.openxmlformats.org/drawingml/2006/compatibility" xmlns:p14="http://schemas.microsoft.com/office/powerpoint/2010/main" showMasterPhAnim="0" showMasterSp="0">
+  <p:cSld>
+    <p:spTree>
+      <p:nvGrpSpPr>
+        <p:cNvPr id="106" name="Shape 106"/>
+        <p:cNvGrpSpPr/>
+        <p:nvPr/>
+      </p:nvGrpSpPr>
+      <p:grpSpPr>
+        <a:xfrm>
+          <a:off x="0" y="0"/>
+          <a:ext cx="0" cy="0"/>
+          <a:chOff x="0" y="0"/>
+          <a:chExt cx="0" cy="0"/>
+        </a:xfrm>
+      </p:grpSpPr>
+      <p:sp>
+        <p:nvSpPr>
+          <p:cNvPr id="107" name="Shape 107"/>
+          <p:cNvSpPr/>
+          <p:nvPr>
+            <p:ph idx="2" type="sldImg"/>
+          </p:nvPr>
+        </p:nvSpPr>
+        <p:spPr>
+          <a:xfrm>
+            <a:off x="381300" y="685800"/>
+            <a:ext cx="6096000" cy="3429000"/>
+          </a:xfrm>
+          <a:custGeom>
+            <a:pathLst>
+              <a:path extrusionOk="0" h="120000" w="120000">
+                <a:moveTo>
+                  <a:pt x="0" y="0"/>
+                </a:moveTo>
+                <a:lnTo>
+                  <a:pt x="120000" y="0"/>
+                </a:lnTo>
+                <a:lnTo>
+                  <a:pt x="120000" y="120000"/>
+                </a:lnTo>
+                <a:lnTo>
+                  <a:pt x="0" y="120000"/>
+                </a:lnTo>
+                <a:close/>
+              </a:path>
+            </a:pathLst>
+          </a:custGeom>
+          <a:noFill/>
+          <a:ln cap="flat" cmpd="sng" w="9525">
+            <a:solidFill>
+              <a:srgbClr val="000000"/>
+            </a:solidFill>
+            <a:prstDash val="solid"/>
+            <a:round/>
+            <a:headEnd len="med" w="med" type="none"/>
+            <a:tailEnd len="med" w="med" type="none"/>
+          </a:ln>
+        </p:spPr>
+      </p:sp>
+      <p:sp>
+        <p:nvSpPr>
+          <p:cNvPr id="108" name="Shape 108"/>
+          <p:cNvSpPr txBox="1"/>
+          <p:nvPr>
+            <p:ph idx="1" type="body"/>
+          </p:nvPr>
+        </p:nvSpPr>
+        <p:spPr>
+          <a:xfrm>
+            <a:off x="685800" y="4343400"/>
+            <a:ext cx="5486399" cy="4114800"/>
+          </a:xfrm>
+          <a:prstGeom prst="rect">
+            <a:avLst/>
+          </a:prstGeom>
+        </p:spPr>
+        <p:txBody>
+          <a:bodyPr anchorCtr="0" anchor="t" bIns="91425" lIns="91425" rIns="91425" tIns="91425">
+            <a:noAutofit/>
+          </a:bodyPr>
+          <a:lstStyle/>
+          <a:p>
             <a:pPr>
               <a:spcBef>
                 <a:spcPts val="0"/>
@@ -1432,6 +1734,426 @@
               <a:t/>
             </a:r>
             <a:endParaRPr/>
+          </a:p>
+        </p:txBody>
+      </p:sp>
+    </p:spTree>
+  </p:cSld>
+  <p:clrMapOvr>
+    <a:masterClrMapping/>
+  </p:clrMapOvr>
+</p:notes>
+</file>
+
+<file path=ppt/notesSlides/notesSlide6.xml><?xml version="1.0" encoding="utf-8"?>
+<p:notes xmlns:a="http://schemas.openxmlformats.org/drawingml/2006/main" xmlns:r="http://schemas.openxmlformats.org/officeDocument/2006/relationships" xmlns:mc="http://schemas.openxmlformats.org/markup-compatibility/2006" xmlns:mv="urn:schemas-microsoft-com:mac:vml" xmlns:p="http://schemas.openxmlformats.org/presentationml/2006/main" xmlns:c="http://schemas.openxmlformats.org/drawingml/2006/chart" xmlns:dgm="http://schemas.openxmlformats.org/drawingml/2006/diagram" xmlns:o="urn:schemas-microsoft-com:office:office" xmlns:v="urn:schemas-microsoft-com:vml" xmlns:pvml="urn:schemas-microsoft-com:office:powerpoint" xmlns:com="http://schemas.openxmlformats.org/drawingml/2006/compatibility" xmlns:p14="http://schemas.microsoft.com/office/powerpoint/2010/main" showMasterPhAnim="0" showMasterSp="0">
+  <p:cSld>
+    <p:spTree>
+      <p:nvGrpSpPr>
+        <p:cNvPr id="112" name="Shape 112"/>
+        <p:cNvGrpSpPr/>
+        <p:nvPr/>
+      </p:nvGrpSpPr>
+      <p:grpSpPr>
+        <a:xfrm>
+          <a:off x="0" y="0"/>
+          <a:ext cx="0" cy="0"/>
+          <a:chOff x="0" y="0"/>
+          <a:chExt cx="0" cy="0"/>
+        </a:xfrm>
+      </p:grpSpPr>
+      <p:sp>
+        <p:nvSpPr>
+          <p:cNvPr id="113" name="Shape 113"/>
+          <p:cNvSpPr/>
+          <p:nvPr>
+            <p:ph idx="2" type="sldImg"/>
+          </p:nvPr>
+        </p:nvSpPr>
+        <p:spPr>
+          <a:xfrm>
+            <a:off x="381300" y="685800"/>
+            <a:ext cx="6096000" cy="3429000"/>
+          </a:xfrm>
+          <a:custGeom>
+            <a:pathLst>
+              <a:path extrusionOk="0" h="120000" w="120000">
+                <a:moveTo>
+                  <a:pt x="0" y="0"/>
+                </a:moveTo>
+                <a:lnTo>
+                  <a:pt x="120000" y="0"/>
+                </a:lnTo>
+                <a:lnTo>
+                  <a:pt x="120000" y="120000"/>
+                </a:lnTo>
+                <a:lnTo>
+                  <a:pt x="0" y="120000"/>
+                </a:lnTo>
+                <a:close/>
+              </a:path>
+            </a:pathLst>
+          </a:custGeom>
+          <a:noFill/>
+          <a:ln cap="flat" cmpd="sng" w="9525">
+            <a:solidFill>
+              <a:srgbClr val="000000"/>
+            </a:solidFill>
+            <a:prstDash val="solid"/>
+            <a:round/>
+            <a:headEnd len="med" w="med" type="none"/>
+            <a:tailEnd len="med" w="med" type="none"/>
+          </a:ln>
+        </p:spPr>
+      </p:sp>
+      <p:sp>
+        <p:nvSpPr>
+          <p:cNvPr id="114" name="Shape 114"/>
+          <p:cNvSpPr txBox="1"/>
+          <p:nvPr>
+            <p:ph idx="1" type="body"/>
+          </p:nvPr>
+        </p:nvSpPr>
+        <p:spPr>
+          <a:xfrm>
+            <a:off x="685800" y="4343400"/>
+            <a:ext cx="5486399" cy="4114800"/>
+          </a:xfrm>
+          <a:prstGeom prst="rect">
+            <a:avLst/>
+          </a:prstGeom>
+        </p:spPr>
+        <p:txBody>
+          <a:bodyPr anchorCtr="0" anchor="t" bIns="91425" lIns="91425" rIns="91425" tIns="91425">
+            <a:noAutofit/>
+          </a:bodyPr>
+          <a:lstStyle/>
+          <a:p>
+            <a:pPr>
+              <a:spcBef>
+                <a:spcPts val="0"/>
+              </a:spcBef>
+              <a:buNone/>
+            </a:pPr>
+            <a:r>
+              <a:t/>
+            </a:r>
+            <a:endParaRPr/>
+          </a:p>
+        </p:txBody>
+      </p:sp>
+    </p:spTree>
+  </p:cSld>
+  <p:clrMapOvr>
+    <a:masterClrMapping/>
+  </p:clrMapOvr>
+</p:notes>
+</file>
+
+<file path=ppt/notesSlides/notesSlide7.xml><?xml version="1.0" encoding="utf-8"?>
+<p:notes xmlns:a="http://schemas.openxmlformats.org/drawingml/2006/main" xmlns:r="http://schemas.openxmlformats.org/officeDocument/2006/relationships" xmlns:mc="http://schemas.openxmlformats.org/markup-compatibility/2006" xmlns:mv="urn:schemas-microsoft-com:mac:vml" xmlns:p="http://schemas.openxmlformats.org/presentationml/2006/main" xmlns:c="http://schemas.openxmlformats.org/drawingml/2006/chart" xmlns:dgm="http://schemas.openxmlformats.org/drawingml/2006/diagram" xmlns:o="urn:schemas-microsoft-com:office:office" xmlns:v="urn:schemas-microsoft-com:vml" xmlns:pvml="urn:schemas-microsoft-com:office:powerpoint" xmlns:com="http://schemas.openxmlformats.org/drawingml/2006/compatibility" xmlns:p14="http://schemas.microsoft.com/office/powerpoint/2010/main" showMasterPhAnim="0" showMasterSp="0">
+  <p:cSld>
+    <p:spTree>
+      <p:nvGrpSpPr>
+        <p:cNvPr id="119" name="Shape 119"/>
+        <p:cNvGrpSpPr/>
+        <p:nvPr/>
+      </p:nvGrpSpPr>
+      <p:grpSpPr>
+        <a:xfrm>
+          <a:off x="0" y="0"/>
+          <a:ext cx="0" cy="0"/>
+          <a:chOff x="0" y="0"/>
+          <a:chExt cx="0" cy="0"/>
+        </a:xfrm>
+      </p:grpSpPr>
+      <p:sp>
+        <p:nvSpPr>
+          <p:cNvPr id="120" name="Shape 120"/>
+          <p:cNvSpPr/>
+          <p:nvPr>
+            <p:ph idx="2" type="sldImg"/>
+          </p:nvPr>
+        </p:nvSpPr>
+        <p:spPr>
+          <a:xfrm>
+            <a:off x="381300" y="685800"/>
+            <a:ext cx="6096000" cy="3429000"/>
+          </a:xfrm>
+          <a:custGeom>
+            <a:pathLst>
+              <a:path extrusionOk="0" h="120000" w="120000">
+                <a:moveTo>
+                  <a:pt x="0" y="0"/>
+                </a:moveTo>
+                <a:lnTo>
+                  <a:pt x="120000" y="0"/>
+                </a:lnTo>
+                <a:lnTo>
+                  <a:pt x="120000" y="120000"/>
+                </a:lnTo>
+                <a:lnTo>
+                  <a:pt x="0" y="120000"/>
+                </a:lnTo>
+                <a:close/>
+              </a:path>
+            </a:pathLst>
+          </a:custGeom>
+          <a:noFill/>
+          <a:ln cap="flat" cmpd="sng" w="9525">
+            <a:solidFill>
+              <a:srgbClr val="000000"/>
+            </a:solidFill>
+            <a:prstDash val="solid"/>
+            <a:round/>
+            <a:headEnd len="med" w="med" type="none"/>
+            <a:tailEnd len="med" w="med" type="none"/>
+          </a:ln>
+        </p:spPr>
+      </p:sp>
+      <p:sp>
+        <p:nvSpPr>
+          <p:cNvPr id="121" name="Shape 121"/>
+          <p:cNvSpPr txBox="1"/>
+          <p:nvPr>
+            <p:ph idx="1" type="body"/>
+          </p:nvPr>
+        </p:nvSpPr>
+        <p:spPr>
+          <a:xfrm>
+            <a:off x="685800" y="4343400"/>
+            <a:ext cx="5486399" cy="4114800"/>
+          </a:xfrm>
+          <a:prstGeom prst="rect">
+            <a:avLst/>
+          </a:prstGeom>
+        </p:spPr>
+        <p:txBody>
+          <a:bodyPr anchorCtr="0" anchor="t" bIns="91425" lIns="91425" rIns="91425" tIns="91425">
+            <a:noAutofit/>
+          </a:bodyPr>
+          <a:lstStyle/>
+          <a:p>
+            <a:pPr lvl="0" rtl="0">
+              <a:spcBef>
+                <a:spcPts val="0"/>
+              </a:spcBef>
+              <a:buNone/>
+            </a:pPr>
+            <a:r>
+              <a:t/>
+            </a:r>
+            <a:endParaRPr/>
+          </a:p>
+        </p:txBody>
+      </p:sp>
+    </p:spTree>
+  </p:cSld>
+  <p:clrMapOvr>
+    <a:masterClrMapping/>
+  </p:clrMapOvr>
+</p:notes>
+</file>
+
+<file path=ppt/notesSlides/notesSlide8.xml><?xml version="1.0" encoding="utf-8"?>
+<p:notes xmlns:a="http://schemas.openxmlformats.org/drawingml/2006/main" xmlns:r="http://schemas.openxmlformats.org/officeDocument/2006/relationships" xmlns:mc="http://schemas.openxmlformats.org/markup-compatibility/2006" xmlns:mv="urn:schemas-microsoft-com:mac:vml" xmlns:p="http://schemas.openxmlformats.org/presentationml/2006/main" xmlns:c="http://schemas.openxmlformats.org/drawingml/2006/chart" xmlns:dgm="http://schemas.openxmlformats.org/drawingml/2006/diagram" xmlns:o="urn:schemas-microsoft-com:office:office" xmlns:v="urn:schemas-microsoft-com:vml" xmlns:pvml="urn:schemas-microsoft-com:office:powerpoint" xmlns:com="http://schemas.openxmlformats.org/drawingml/2006/compatibility" xmlns:p14="http://schemas.microsoft.com/office/powerpoint/2010/main" showMasterPhAnim="0" showMasterSp="0">
+  <p:cSld>
+    <p:spTree>
+      <p:nvGrpSpPr>
+        <p:cNvPr id="126" name="Shape 126"/>
+        <p:cNvGrpSpPr/>
+        <p:nvPr/>
+      </p:nvGrpSpPr>
+      <p:grpSpPr>
+        <a:xfrm>
+          <a:off x="0" y="0"/>
+          <a:ext cx="0" cy="0"/>
+          <a:chOff x="0" y="0"/>
+          <a:chExt cx="0" cy="0"/>
+        </a:xfrm>
+      </p:grpSpPr>
+      <p:sp>
+        <p:nvSpPr>
+          <p:cNvPr id="127" name="Shape 127"/>
+          <p:cNvSpPr/>
+          <p:nvPr>
+            <p:ph idx="2" type="sldImg"/>
+          </p:nvPr>
+        </p:nvSpPr>
+        <p:spPr>
+          <a:xfrm>
+            <a:off x="381300" y="685800"/>
+            <a:ext cx="6096000" cy="3429000"/>
+          </a:xfrm>
+          <a:custGeom>
+            <a:pathLst>
+              <a:path extrusionOk="0" h="120000" w="120000">
+                <a:moveTo>
+                  <a:pt x="0" y="0"/>
+                </a:moveTo>
+                <a:lnTo>
+                  <a:pt x="120000" y="0"/>
+                </a:lnTo>
+                <a:lnTo>
+                  <a:pt x="120000" y="120000"/>
+                </a:lnTo>
+                <a:lnTo>
+                  <a:pt x="0" y="120000"/>
+                </a:lnTo>
+                <a:close/>
+              </a:path>
+            </a:pathLst>
+          </a:custGeom>
+          <a:noFill/>
+          <a:ln cap="flat" cmpd="sng" w="9525">
+            <a:solidFill>
+              <a:srgbClr val="000000"/>
+            </a:solidFill>
+            <a:prstDash val="solid"/>
+            <a:round/>
+            <a:headEnd len="med" w="med" type="none"/>
+            <a:tailEnd len="med" w="med" type="none"/>
+          </a:ln>
+        </p:spPr>
+      </p:sp>
+      <p:sp>
+        <p:nvSpPr>
+          <p:cNvPr id="128" name="Shape 128"/>
+          <p:cNvSpPr txBox="1"/>
+          <p:nvPr>
+            <p:ph idx="1" type="body"/>
+          </p:nvPr>
+        </p:nvSpPr>
+        <p:spPr>
+          <a:xfrm>
+            <a:off x="685800" y="4343400"/>
+            <a:ext cx="5486399" cy="4114800"/>
+          </a:xfrm>
+          <a:prstGeom prst="rect">
+            <a:avLst/>
+          </a:prstGeom>
+        </p:spPr>
+        <p:txBody>
+          <a:bodyPr anchorCtr="0" anchor="t" bIns="91425" lIns="91425" rIns="91425" tIns="91425">
+            <a:noAutofit/>
+          </a:bodyPr>
+          <a:lstStyle/>
+          <a:p>
+            <a:pPr>
+              <a:spcBef>
+                <a:spcPts val="0"/>
+              </a:spcBef>
+              <a:buNone/>
+            </a:pPr>
+            <a:r>
+              <a:t/>
+            </a:r>
+            <a:endParaRPr/>
+          </a:p>
+        </p:txBody>
+      </p:sp>
+    </p:spTree>
+  </p:cSld>
+  <p:clrMapOvr>
+    <a:masterClrMapping/>
+  </p:clrMapOvr>
+</p:notes>
+</file>
+
+<file path=ppt/notesSlides/notesSlide9.xml><?xml version="1.0" encoding="utf-8"?>
+<p:notes xmlns:a="http://schemas.openxmlformats.org/drawingml/2006/main" xmlns:r="http://schemas.openxmlformats.org/officeDocument/2006/relationships" xmlns:mc="http://schemas.openxmlformats.org/markup-compatibility/2006" xmlns:mv="urn:schemas-microsoft-com:mac:vml" xmlns:p="http://schemas.openxmlformats.org/presentationml/2006/main" xmlns:c="http://schemas.openxmlformats.org/drawingml/2006/chart" xmlns:dgm="http://schemas.openxmlformats.org/drawingml/2006/diagram" xmlns:o="urn:schemas-microsoft-com:office:office" xmlns:v="urn:schemas-microsoft-com:vml" xmlns:pvml="urn:schemas-microsoft-com:office:powerpoint" xmlns:com="http://schemas.openxmlformats.org/drawingml/2006/compatibility" xmlns:p14="http://schemas.microsoft.com/office/powerpoint/2010/main" showMasterPhAnim="0" showMasterSp="0">
+  <p:cSld>
+    <p:spTree>
+      <p:nvGrpSpPr>
+        <p:cNvPr id="133" name="Shape 133"/>
+        <p:cNvGrpSpPr/>
+        <p:nvPr/>
+      </p:nvGrpSpPr>
+      <p:grpSpPr>
+        <a:xfrm>
+          <a:off x="0" y="0"/>
+          <a:ext cx="0" cy="0"/>
+          <a:chOff x="0" y="0"/>
+          <a:chExt cx="0" cy="0"/>
+        </a:xfrm>
+      </p:grpSpPr>
+      <p:sp>
+        <p:nvSpPr>
+          <p:cNvPr id="134" name="Shape 134"/>
+          <p:cNvSpPr/>
+          <p:nvPr>
+            <p:ph idx="2" type="sldImg"/>
+          </p:nvPr>
+        </p:nvSpPr>
+        <p:spPr>
+          <a:xfrm>
+            <a:off x="381300" y="685800"/>
+            <a:ext cx="6096000" cy="3429000"/>
+          </a:xfrm>
+          <a:custGeom>
+            <a:pathLst>
+              <a:path extrusionOk="0" h="120000" w="120000">
+                <a:moveTo>
+                  <a:pt x="0" y="0"/>
+                </a:moveTo>
+                <a:lnTo>
+                  <a:pt x="120000" y="0"/>
+                </a:lnTo>
+                <a:lnTo>
+                  <a:pt x="120000" y="120000"/>
+                </a:lnTo>
+                <a:lnTo>
+                  <a:pt x="0" y="120000"/>
+                </a:lnTo>
+                <a:close/>
+              </a:path>
+            </a:pathLst>
+          </a:custGeom>
+          <a:noFill/>
+          <a:ln cap="flat" cmpd="sng" w="9525">
+            <a:solidFill>
+              <a:srgbClr val="000000"/>
+            </a:solidFill>
+            <a:prstDash val="solid"/>
+            <a:round/>
+            <a:headEnd len="med" w="med" type="none"/>
+            <a:tailEnd len="med" w="med" type="none"/>
+          </a:ln>
+        </p:spPr>
+      </p:sp>
+      <p:sp>
+        <p:nvSpPr>
+          <p:cNvPr id="135" name="Shape 135"/>
+          <p:cNvSpPr txBox="1"/>
+          <p:nvPr>
+            <p:ph idx="1" type="body"/>
+          </p:nvPr>
+        </p:nvSpPr>
+        <p:spPr>
+          <a:xfrm>
+            <a:off x="685800" y="4343400"/>
+            <a:ext cx="5486399" cy="4114800"/>
+          </a:xfrm>
+          <a:prstGeom prst="rect">
+            <a:avLst/>
+          </a:prstGeom>
+        </p:spPr>
+        <p:txBody>
+          <a:bodyPr anchorCtr="0" anchor="t" bIns="91425" lIns="91425" rIns="91425" tIns="91425">
+            <a:noAutofit/>
+          </a:bodyPr>
+          <a:lstStyle/>
+          <a:p>
+            <a:pPr lvl="0" rtl="0">
+              <a:spcBef>
+                <a:spcPts val="0"/>
+              </a:spcBef>
+              <a:buNone/>
+            </a:pPr>
+            <a:r>
+              <a:rPr lang="en"/>
+              <a:t>we fully leveraged all knowledge learned this semester, and successfully integrate the topics from tech group as well.  </a:t>
+            </a:r>
           </a:p>
         </p:txBody>
       </p:sp>
@@ -6383,8 +7105,8 @@
               <a:buNone/>
             </a:pPr>
             <a:r>
-              <a:rPr lang="en"/>
-              <a:t>Quora for Health</a:t>
+              <a:rPr b="1" lang="en"/>
+              <a:t>Healthawadika</a:t>
             </a:r>
           </a:p>
         </p:txBody>
@@ -6399,8 +7121,8 @@
         </p:nvSpPr>
         <p:spPr>
           <a:xfrm>
-            <a:off x="598088" y="2715912"/>
-            <a:ext cx="8222100" cy="432899"/>
+            <a:off x="1741100" y="2487350"/>
+            <a:ext cx="7500299" cy="1244700"/>
           </a:xfrm>
           <a:prstGeom prst="rect">
             <a:avLst/>
@@ -6412,6 +7134,64 @@
           </a:bodyPr>
           <a:lstStyle/>
           <a:p>
+            <a:pPr rtl="0">
+              <a:spcBef>
+                <a:spcPts val="0"/>
+              </a:spcBef>
+              <a:buNone/>
+            </a:pPr>
+            <a:r>
+              <a:rPr lang="en" sz="2000"/>
+              <a:t>By Roshambo Technology</a:t>
+            </a:r>
+          </a:p>
+          <a:p>
+            <a:pPr lvl="0" rtl="0">
+              <a:spcBef>
+                <a:spcPts val="0"/>
+              </a:spcBef>
+              <a:buNone/>
+            </a:pPr>
+            <a:r>
+              <a:rPr lang="en" sz="2000"/>
+              <a:t>                -  Anna Baker, Cameron Lloyd, Lihe Zhang, Xuanlin Yang</a:t>
+            </a:r>
+          </a:p>
+        </p:txBody>
+      </p:sp>
+      <p:sp>
+        <p:nvSpPr>
+          <p:cNvPr id="86" name="Shape 86"/>
+          <p:cNvSpPr/>
+          <p:nvPr/>
+        </p:nvSpPr>
+        <p:spPr>
+          <a:xfrm>
+            <a:off x="751550" y="2501300"/>
+            <a:ext cx="8337600" cy="35099"/>
+          </a:xfrm>
+          <a:prstGeom prst="rect">
+            <a:avLst/>
+          </a:prstGeom>
+          <a:solidFill>
+            <a:schemeClr val="lt1"/>
+          </a:solidFill>
+          <a:ln cap="flat" cmpd="sng" w="9525">
+            <a:solidFill>
+              <a:schemeClr val="lt1"/>
+            </a:solidFill>
+            <a:prstDash val="solid"/>
+            <a:round/>
+            <a:headEnd len="med" w="med" type="none"/>
+            <a:tailEnd len="med" w="med" type="none"/>
+          </a:ln>
+        </p:spPr>
+        <p:txBody>
+          <a:bodyPr anchorCtr="0" anchor="ctr" bIns="91425" lIns="91425" rIns="91425" tIns="91425">
+            <a:noAutofit/>
+          </a:bodyPr>
+          <a:lstStyle/>
+          <a:p>
             <a:pPr>
               <a:spcBef>
                 <a:spcPts val="0"/>
@@ -6419,9 +7199,9 @@
               <a:buNone/>
             </a:pPr>
             <a:r>
-              <a:rPr lang="en"/>
-              <a:t>By Team Roshambo</a:t>
-            </a:r>
+              <a:t/>
+            </a:r>
+            <a:endParaRPr/>
           </a:p>
         </p:txBody>
       </p:sp>
@@ -6441,7 +7221,7 @@
   <p:cSld>
     <p:spTree>
       <p:nvGrpSpPr>
-        <p:cNvPr id="140" name="Shape 140"/>
+        <p:cNvPr id="141" name="Shape 141"/>
         <p:cNvGrpSpPr/>
         <p:nvPr/>
       </p:nvGrpSpPr>
@@ -6455,7 +7235,7 @@
       </p:grpSpPr>
       <p:sp>
         <p:nvSpPr>
-          <p:cNvPr id="141" name="Shape 141"/>
+          <p:cNvPr id="142" name="Shape 142"/>
           <p:cNvSpPr txBox="1"/>
           <p:nvPr>
             <p:ph type="title"/>
@@ -6463,8 +7243,605 @@
         </p:nvSpPr>
         <p:spPr>
           <a:xfrm>
+            <a:off x="311700" y="410000"/>
+            <a:ext cx="8520599" cy="607800"/>
+          </a:xfrm>
+          <a:prstGeom prst="rect">
+            <a:avLst/>
+          </a:prstGeom>
+        </p:spPr>
+        <p:txBody>
+          <a:bodyPr anchorCtr="0" anchor="t" bIns="91425" lIns="91425" rIns="91425" tIns="91425">
+            <a:noAutofit/>
+          </a:bodyPr>
+          <a:lstStyle/>
+          <a:p>
+            <a:pPr lvl="0" rtl="0">
+              <a:spcBef>
+                <a:spcPts val="0"/>
+              </a:spcBef>
+              <a:buNone/>
+            </a:pPr>
+            <a:r>
+              <a:rPr lang="en"/>
+              <a:t>devise</a:t>
+            </a:r>
+          </a:p>
+        </p:txBody>
+      </p:sp>
+      <p:sp>
+        <p:nvSpPr>
+          <p:cNvPr id="143" name="Shape 143"/>
+          <p:cNvSpPr txBox="1"/>
+          <p:nvPr>
+            <p:ph idx="1" type="body"/>
+          </p:nvPr>
+        </p:nvSpPr>
+        <p:spPr>
+          <a:xfrm>
+            <a:off x="311700" y="1229875"/>
+            <a:ext cx="8832299" cy="3339000"/>
+          </a:xfrm>
+          <a:prstGeom prst="rect">
+            <a:avLst/>
+          </a:prstGeom>
+        </p:spPr>
+        <p:txBody>
+          <a:bodyPr anchorCtr="0" anchor="t" bIns="91425" lIns="91425" rIns="91425" tIns="91425">
+            <a:noAutofit/>
+          </a:bodyPr>
+          <a:lstStyle/>
+          <a:p>
+            <a:pPr lvl="0" rtl="0">
+              <a:spcBef>
+                <a:spcPts val="0"/>
+              </a:spcBef>
+              <a:buNone/>
+            </a:pPr>
+            <a:r>
+              <a:rPr lang="en" sz="1900"/>
+              <a:t>   </a:t>
+            </a:r>
+          </a:p>
+        </p:txBody>
+      </p:sp>
+      <p:sp>
+        <p:nvSpPr>
+          <p:cNvPr id="144" name="Shape 144"/>
+          <p:cNvSpPr txBox="1"/>
+          <p:nvPr>
+            <p:ph idx="2" type="body"/>
+          </p:nvPr>
+        </p:nvSpPr>
+        <p:spPr>
+          <a:xfrm>
+            <a:off x="311700" y="1229975"/>
+            <a:ext cx="3999899" cy="3339000"/>
+          </a:xfrm>
+          <a:prstGeom prst="rect">
+            <a:avLst/>
+          </a:prstGeom>
+        </p:spPr>
+        <p:txBody>
+          <a:bodyPr anchorCtr="0" anchor="t" bIns="91425" lIns="91425" rIns="91425" tIns="91425">
+            <a:noAutofit/>
+          </a:bodyPr>
+          <a:lstStyle/>
+          <a:p>
+            <a:pPr lvl="0" rtl="0">
+              <a:spcBef>
+                <a:spcPts val="0"/>
+              </a:spcBef>
+              <a:buNone/>
+            </a:pPr>
+            <a:r>
+              <a:rPr lang="en"/>
+              <a:t>A gem for flexible authentication.</a:t>
+            </a:r>
+          </a:p>
+          <a:p>
+            <a:pPr indent="-228600" lvl="0" marL="457200" rtl="0">
+              <a:spcBef>
+                <a:spcPts val="0"/>
+              </a:spcBef>
+              <a:buSzPct val="100000"/>
+            </a:pPr>
+            <a:r>
+              <a:rPr lang="en" sz="1200"/>
+              <a:t>Rack based (can run on numerous servers)</a:t>
+            </a:r>
+          </a:p>
+          <a:p>
+            <a:pPr indent="-228600" lvl="0" marL="457200" rtl="0">
+              <a:spcBef>
+                <a:spcPts val="0"/>
+              </a:spcBef>
+              <a:buSzPct val="100000"/>
+            </a:pPr>
+            <a:r>
+              <a:rPr lang="en" sz="1200"/>
+              <a:t>MVC solution</a:t>
+            </a:r>
+          </a:p>
+          <a:p>
+            <a:pPr indent="-228600" lvl="1" marL="914400" rtl="0">
+              <a:spcBef>
+                <a:spcPts val="0"/>
+              </a:spcBef>
+              <a:buSzPct val="100000"/>
+            </a:pPr>
+            <a:r>
+              <a:rPr lang="en" sz="1200"/>
+              <a:t>Multiple models can be signed in at once</a:t>
+            </a:r>
+          </a:p>
+          <a:p>
+            <a:pPr indent="-228600" lvl="0" marL="457200" rtl="0">
+              <a:spcBef>
+                <a:spcPts val="0"/>
+              </a:spcBef>
+              <a:buSzPct val="100000"/>
+            </a:pPr>
+            <a:r>
+              <a:rPr lang="en" sz="1200"/>
+              <a:t>Modularity -- use only what you need</a:t>
+            </a:r>
+          </a:p>
+          <a:p>
+            <a:pPr indent="-228600" lvl="0" marL="457200" rtl="0">
+              <a:spcBef>
+                <a:spcPts val="0"/>
+              </a:spcBef>
+              <a:buSzPct val="100000"/>
+            </a:pPr>
+            <a:r>
+              <a:rPr lang="en" sz="1200"/>
+              <a:t>10 modules:  Database Authenticatable, Omniauthable, Confirmable, Recoverable, Registerable, Rememberable, Trackable, Timeoutable, Validatable, Lockable</a:t>
+            </a:r>
+          </a:p>
+        </p:txBody>
+      </p:sp>
+      <p:sp>
+        <p:nvSpPr>
+          <p:cNvPr id="145" name="Shape 145"/>
+          <p:cNvSpPr txBox="1"/>
+          <p:nvPr>
+            <p:ph idx="3" type="body"/>
+          </p:nvPr>
+        </p:nvSpPr>
+        <p:spPr>
+          <a:xfrm>
+            <a:off x="4832400" y="1229975"/>
+            <a:ext cx="3999899" cy="3339000"/>
+          </a:xfrm>
+          <a:prstGeom prst="rect">
+            <a:avLst/>
+          </a:prstGeom>
+        </p:spPr>
+        <p:txBody>
+          <a:bodyPr anchorCtr="0" anchor="t" bIns="91425" lIns="91425" rIns="91425" tIns="91425">
+            <a:noAutofit/>
+          </a:bodyPr>
+          <a:lstStyle/>
+          <a:p>
+            <a:pPr rtl="0">
+              <a:spcBef>
+                <a:spcPts val="0"/>
+              </a:spcBef>
+              <a:buNone/>
+            </a:pPr>
+            <a:r>
+              <a:rPr lang="en"/>
+              <a:t>To use:</a:t>
+            </a:r>
+          </a:p>
+          <a:p>
+            <a:pPr lvl="0" rtl="0">
+              <a:spcBef>
+                <a:spcPts val="0"/>
+              </a:spcBef>
+              <a:buNone/>
+            </a:pPr>
+            <a:r>
+              <a:rPr lang="en"/>
+              <a:t>	</a:t>
+            </a:r>
+            <a:r>
+              <a:rPr lang="en" sz="1400">
+                <a:latin typeface="Courier New"/>
+                <a:ea typeface="Courier New"/>
+                <a:cs typeface="Courier New"/>
+                <a:sym typeface="Courier New"/>
+              </a:rPr>
+              <a:t>gem ‘devise’</a:t>
+            </a:r>
+            <a:br>
+              <a:rPr lang="en" sz="1400">
+                <a:latin typeface="Courier New"/>
+                <a:ea typeface="Courier New"/>
+                <a:cs typeface="Courier New"/>
+                <a:sym typeface="Courier New"/>
+              </a:rPr>
+            </a:br>
+            <a:r>
+              <a:rPr lang="en" sz="1400">
+                <a:latin typeface="Courier New"/>
+                <a:ea typeface="Courier New"/>
+                <a:cs typeface="Courier New"/>
+                <a:sym typeface="Courier New"/>
+              </a:rPr>
+              <a:t>	rails generate devise:install</a:t>
+            </a:r>
+            <a:br>
+              <a:rPr lang="en" sz="1400">
+                <a:latin typeface="Courier New"/>
+                <a:ea typeface="Courier New"/>
+                <a:cs typeface="Courier New"/>
+                <a:sym typeface="Courier New"/>
+              </a:rPr>
+            </a:br>
+            <a:r>
+              <a:rPr lang="en" sz="1400">
+                <a:latin typeface="Courier New"/>
+                <a:ea typeface="Courier New"/>
+                <a:cs typeface="Courier New"/>
+                <a:sym typeface="Courier New"/>
+              </a:rPr>
+              <a:t>	rails generate devise MODEL</a:t>
+            </a:r>
+            <a:br>
+              <a:rPr lang="en" sz="1400">
+                <a:latin typeface="Courier New"/>
+                <a:ea typeface="Courier New"/>
+                <a:cs typeface="Courier New"/>
+                <a:sym typeface="Courier New"/>
+              </a:rPr>
+            </a:br>
+            <a:r>
+              <a:rPr lang="en"/>
+              <a:t>	</a:t>
+            </a:r>
+          </a:p>
+        </p:txBody>
+      </p:sp>
+    </p:spTree>
+  </p:cSld>
+  <p:clrMapOvr>
+    <a:masterClrMapping/>
+  </p:clrMapOvr>
+  <p:transition spd="slow">
+    <p:cut/>
+  </p:transition>
+</p:sld>
+</file>
+
+<file path=ppt/slides/slide11.xml><?xml version="1.0" encoding="utf-8"?>
+<p:sld xmlns:a="http://schemas.openxmlformats.org/drawingml/2006/main" xmlns:r="http://schemas.openxmlformats.org/officeDocument/2006/relationships" xmlns:mc="http://schemas.openxmlformats.org/markup-compatibility/2006" xmlns:mv="urn:schemas-microsoft-com:mac:vml" xmlns:p="http://schemas.openxmlformats.org/presentationml/2006/main" xmlns:c="http://schemas.openxmlformats.org/drawingml/2006/chart" xmlns:dgm="http://schemas.openxmlformats.org/drawingml/2006/diagram" xmlns:o="urn:schemas-microsoft-com:office:office" xmlns:v="urn:schemas-microsoft-com:vml" xmlns:pvml="urn:schemas-microsoft-com:office:powerpoint" xmlns:com="http://schemas.openxmlformats.org/drawingml/2006/compatibility" xmlns:p14="http://schemas.microsoft.com/office/powerpoint/2010/main">
+  <p:cSld>
+    <p:spTree>
+      <p:nvGrpSpPr>
+        <p:cNvPr id="149" name="Shape 149"/>
+        <p:cNvGrpSpPr/>
+        <p:nvPr/>
+      </p:nvGrpSpPr>
+      <p:grpSpPr>
+        <a:xfrm>
+          <a:off x="0" y="0"/>
+          <a:ext cx="0" cy="0"/>
+          <a:chOff x="0" y="0"/>
+          <a:chExt cx="0" cy="0"/>
+        </a:xfrm>
+      </p:grpSpPr>
+      <p:sp>
+        <p:nvSpPr>
+          <p:cNvPr id="150" name="Shape 150"/>
+          <p:cNvSpPr txBox="1"/>
+          <p:nvPr>
+            <p:ph type="title"/>
+          </p:nvPr>
+        </p:nvSpPr>
+        <p:spPr>
+          <a:xfrm>
+            <a:off x="311700" y="410000"/>
+            <a:ext cx="8520599" cy="607800"/>
+          </a:xfrm>
+          <a:prstGeom prst="rect">
+            <a:avLst/>
+          </a:prstGeom>
+        </p:spPr>
+        <p:txBody>
+          <a:bodyPr anchorCtr="0" anchor="t" bIns="91425" lIns="91425" rIns="91425" tIns="91425">
+            <a:noAutofit/>
+          </a:bodyPr>
+          <a:lstStyle/>
+          <a:p>
+            <a:pPr lvl="0" rtl="0">
+              <a:spcBef>
+                <a:spcPts val="0"/>
+              </a:spcBef>
+              <a:buNone/>
+            </a:pPr>
+            <a:r>
+              <a:rPr lang="en"/>
+              <a:t>haml</a:t>
+            </a:r>
+          </a:p>
+        </p:txBody>
+      </p:sp>
+      <p:sp>
+        <p:nvSpPr>
+          <p:cNvPr id="151" name="Shape 151"/>
+          <p:cNvSpPr txBox="1"/>
+          <p:nvPr>
+            <p:ph idx="1" type="body"/>
+          </p:nvPr>
+        </p:nvSpPr>
+        <p:spPr>
+          <a:xfrm>
+            <a:off x="311700" y="1229875"/>
+            <a:ext cx="8832299" cy="3339000"/>
+          </a:xfrm>
+          <a:prstGeom prst="rect">
+            <a:avLst/>
+          </a:prstGeom>
+        </p:spPr>
+        <p:txBody>
+          <a:bodyPr anchorCtr="0" anchor="t" bIns="91425" lIns="91425" rIns="91425" tIns="91425">
+            <a:noAutofit/>
+          </a:bodyPr>
+          <a:lstStyle/>
+          <a:p>
+            <a:pPr lvl="0" rtl="0">
+              <a:spcBef>
+                <a:spcPts val="0"/>
+              </a:spcBef>
+              <a:buNone/>
+            </a:pPr>
+            <a:r>
+              <a:rPr lang="en" sz="1900"/>
+              <a:t>   </a:t>
+            </a:r>
+          </a:p>
+        </p:txBody>
+      </p:sp>
+      <p:sp>
+        <p:nvSpPr>
+          <p:cNvPr id="152" name="Shape 152"/>
+          <p:cNvSpPr txBox="1"/>
+          <p:nvPr>
+            <p:ph idx="2" type="body"/>
+          </p:nvPr>
+        </p:nvSpPr>
+        <p:spPr>
+          <a:xfrm>
+            <a:off x="311700" y="1229975"/>
+            <a:ext cx="3999899" cy="3339000"/>
+          </a:xfrm>
+          <a:prstGeom prst="rect">
+            <a:avLst/>
+          </a:prstGeom>
+        </p:spPr>
+        <p:txBody>
+          <a:bodyPr anchorCtr="0" anchor="t" bIns="91425" lIns="91425" rIns="91425" tIns="91425">
+            <a:noAutofit/>
+          </a:bodyPr>
+          <a:lstStyle/>
+          <a:p>
+            <a:pPr lvl="0" rtl="0">
+              <a:spcBef>
+                <a:spcPts val="0"/>
+              </a:spcBef>
+              <a:buNone/>
+            </a:pPr>
+            <a:r>
+              <a:rPr b="1" lang="en"/>
+              <a:t>H</a:t>
+            </a:r>
+            <a:r>
+              <a:rPr lang="en"/>
+              <a:t>TML </a:t>
+            </a:r>
+            <a:r>
+              <a:rPr b="1" lang="en"/>
+              <a:t>A</a:t>
+            </a:r>
+            <a:r>
+              <a:rPr lang="en"/>
+              <a:t>bstraction </a:t>
+            </a:r>
+            <a:r>
+              <a:rPr b="1" lang="en"/>
+              <a:t>M</a:t>
+            </a:r>
+            <a:r>
+              <a:rPr lang="en"/>
+              <a:t>arkup </a:t>
+            </a:r>
+            <a:r>
+              <a:rPr b="1" lang="en"/>
+              <a:t>L</a:t>
+            </a:r>
+            <a:r>
+              <a:rPr lang="en"/>
+              <a:t>anguage</a:t>
+            </a:r>
+          </a:p>
+          <a:p>
+            <a:pPr indent="-228600" lvl="0" marL="457200" rtl="0">
+              <a:spcBef>
+                <a:spcPts val="0"/>
+              </a:spcBef>
+              <a:buSzPct val="100000"/>
+            </a:pPr>
+            <a:r>
+              <a:rPr lang="en" sz="1200"/>
+              <a:t>Sits on top of HTML or XML</a:t>
+            </a:r>
+          </a:p>
+          <a:p>
+            <a:pPr indent="-228600" lvl="0" marL="457200" rtl="0">
+              <a:spcBef>
+                <a:spcPts val="0"/>
+              </a:spcBef>
+              <a:buSzPct val="100000"/>
+            </a:pPr>
+            <a:r>
+              <a:rPr lang="en" sz="1200"/>
+              <a:t>Expresses document structures easily</a:t>
+            </a:r>
+          </a:p>
+          <a:p>
+            <a:pPr indent="-228600" lvl="0" marL="457200" rtl="0">
+              <a:spcBef>
+                <a:spcPts val="0"/>
+              </a:spcBef>
+              <a:buSzPct val="100000"/>
+            </a:pPr>
+            <a:r>
+              <a:rPr lang="en" sz="1200"/>
+              <a:t>Utilizes indentation vs. closing tags</a:t>
+            </a:r>
+          </a:p>
+          <a:p>
+            <a:pPr indent="-228600" lvl="0" marL="457200" rtl="0">
+              <a:spcBef>
+                <a:spcPts val="0"/>
+              </a:spcBef>
+              <a:buSzPct val="100000"/>
+            </a:pPr>
+            <a:r>
+              <a:rPr lang="en" sz="1200"/>
+              <a:t>Allows Ruby to be embedded</a:t>
+            </a:r>
+          </a:p>
+          <a:p>
+            <a:pPr indent="-228600" lvl="0" marL="457200" rtl="0">
+              <a:spcBef>
+                <a:spcPts val="0"/>
+              </a:spcBef>
+              <a:buSzPct val="100000"/>
+            </a:pPr>
+            <a:r>
+              <a:rPr lang="en" sz="1200"/>
+              <a:t>Can be used as a plugin for RoR or as a stand-alone template engine</a:t>
+            </a:r>
+          </a:p>
+        </p:txBody>
+      </p:sp>
+      <p:sp>
+        <p:nvSpPr>
+          <p:cNvPr id="153" name="Shape 153"/>
+          <p:cNvSpPr txBox="1"/>
+          <p:nvPr>
+            <p:ph idx="3" type="body"/>
+          </p:nvPr>
+        </p:nvSpPr>
+        <p:spPr>
+          <a:xfrm>
+            <a:off x="4832400" y="1229975"/>
+            <a:ext cx="3999899" cy="3339000"/>
+          </a:xfrm>
+          <a:prstGeom prst="rect">
+            <a:avLst/>
+          </a:prstGeom>
+        </p:spPr>
+        <p:txBody>
+          <a:bodyPr anchorCtr="0" anchor="t" bIns="91425" lIns="91425" rIns="91425" tIns="91425">
+            <a:noAutofit/>
+          </a:bodyPr>
+          <a:lstStyle/>
+          <a:p>
+            <a:pPr lvl="0" rtl="0">
+              <a:spcBef>
+                <a:spcPts val="0"/>
+              </a:spcBef>
+              <a:buNone/>
+            </a:pPr>
+            <a:r>
+              <a:rPr lang="en"/>
+              <a:t>To use:</a:t>
+            </a:r>
+          </a:p>
+          <a:p>
+            <a:pPr lvl="0" rtl="0">
+              <a:spcBef>
+                <a:spcPts val="0"/>
+              </a:spcBef>
+              <a:buNone/>
+            </a:pPr>
+            <a:r>
+              <a:rPr lang="en"/>
+              <a:t>	</a:t>
+            </a:r>
+            <a:r>
+              <a:rPr lang="en" sz="1400">
+                <a:latin typeface="Courier New"/>
+                <a:ea typeface="Courier New"/>
+                <a:cs typeface="Courier New"/>
+                <a:sym typeface="Courier New"/>
+              </a:rPr>
+              <a:t>gem ‘haml’</a:t>
+            </a:r>
+            <a:br>
+              <a:rPr lang="en" sz="1400">
+                <a:latin typeface="Courier New"/>
+                <a:ea typeface="Courier New"/>
+                <a:cs typeface="Courier New"/>
+                <a:sym typeface="Courier New"/>
+              </a:rPr>
+            </a:br>
+            <a:r>
+              <a:rPr lang="en" sz="1400">
+                <a:latin typeface="Courier New"/>
+                <a:ea typeface="Courier New"/>
+                <a:cs typeface="Courier New"/>
+                <a:sym typeface="Courier New"/>
+              </a:rPr>
+              <a:t>	haml YOURHAMLDOC.haml</a:t>
+            </a:r>
+          </a:p>
+        </p:txBody>
+      </p:sp>
+    </p:spTree>
+  </p:cSld>
+  <p:clrMapOvr>
+    <a:masterClrMapping/>
+  </p:clrMapOvr>
+  <p:transition spd="slow">
+    <p:cut/>
+  </p:transition>
+</p:sld>
+</file>
+
+<file path=ppt/slides/slide12.xml><?xml version="1.0" encoding="utf-8"?>
+<p:sld xmlns:a="http://schemas.openxmlformats.org/drawingml/2006/main" xmlns:r="http://schemas.openxmlformats.org/officeDocument/2006/relationships" xmlns:mc="http://schemas.openxmlformats.org/markup-compatibility/2006" xmlns:mv="urn:schemas-microsoft-com:mac:vml" xmlns:p="http://schemas.openxmlformats.org/presentationml/2006/main" xmlns:c="http://schemas.openxmlformats.org/drawingml/2006/chart" xmlns:dgm="http://schemas.openxmlformats.org/drawingml/2006/diagram" xmlns:o="urn:schemas-microsoft-com:office:office" xmlns:v="urn:schemas-microsoft-com:vml" xmlns:pvml="urn:schemas-microsoft-com:office:powerpoint" xmlns:com="http://schemas.openxmlformats.org/drawingml/2006/compatibility" xmlns:p14="http://schemas.microsoft.com/office/powerpoint/2010/main">
+  <p:cSld>
+    <p:spTree>
+      <p:nvGrpSpPr>
+        <p:cNvPr id="157" name="Shape 157"/>
+        <p:cNvGrpSpPr/>
+        <p:nvPr/>
+      </p:nvGrpSpPr>
+      <p:grpSpPr>
+        <a:xfrm>
+          <a:off x="0" y="0"/>
+          <a:ext cx="0" cy="0"/>
+          <a:chOff x="0" y="0"/>
+          <a:chExt cx="0" cy="0"/>
+        </a:xfrm>
+      </p:grpSpPr>
+      <p:sp>
+        <p:nvSpPr>
+          <p:cNvPr id="158" name="Shape 158"/>
+          <p:cNvSpPr txBox="1"/>
+          <p:nvPr>
+            <p:ph type="title"/>
+          </p:nvPr>
+        </p:nvSpPr>
+        <p:spPr>
+          <a:xfrm>
             <a:off x="490250" y="526350"/>
-            <a:ext cx="5618700" cy="4090800"/>
+            <a:ext cx="6083400" cy="4090800"/>
           </a:xfrm>
           <a:prstGeom prst="rect">
             <a:avLst/>
@@ -6476,6 +7853,70 @@
           </a:bodyPr>
           <a:lstStyle/>
           <a:p>
+            <a:pPr lvl="0" rtl="0">
+              <a:spcBef>
+                <a:spcPts val="0"/>
+              </a:spcBef>
+              <a:buNone/>
+            </a:pPr>
+            <a:r>
+              <a:rPr lang="en"/>
+              <a:t>Demo</a:t>
+            </a:r>
+          </a:p>
+        </p:txBody>
+      </p:sp>
+    </p:spTree>
+  </p:cSld>
+  <p:clrMapOvr>
+    <a:masterClrMapping/>
+  </p:clrMapOvr>
+  <p:transition spd="slow">
+    <p:cut/>
+  </p:transition>
+</p:sld>
+</file>
+
+<file path=ppt/slides/slide13.xml><?xml version="1.0" encoding="utf-8"?>
+<p:sld xmlns:a="http://schemas.openxmlformats.org/drawingml/2006/main" xmlns:r="http://schemas.openxmlformats.org/officeDocument/2006/relationships" xmlns:mc="http://schemas.openxmlformats.org/markup-compatibility/2006" xmlns:mv="urn:schemas-microsoft-com:mac:vml" xmlns:p="http://schemas.openxmlformats.org/presentationml/2006/main" xmlns:c="http://schemas.openxmlformats.org/drawingml/2006/chart" xmlns:dgm="http://schemas.openxmlformats.org/drawingml/2006/diagram" xmlns:o="urn:schemas-microsoft-com:office:office" xmlns:v="urn:schemas-microsoft-com:vml" xmlns:pvml="urn:schemas-microsoft-com:office:powerpoint" xmlns:com="http://schemas.openxmlformats.org/drawingml/2006/compatibility" xmlns:p14="http://schemas.microsoft.com/office/powerpoint/2010/main">
+  <p:cSld>
+    <p:spTree>
+      <p:nvGrpSpPr>
+        <p:cNvPr id="162" name="Shape 162"/>
+        <p:cNvGrpSpPr/>
+        <p:nvPr/>
+      </p:nvGrpSpPr>
+      <p:grpSpPr>
+        <a:xfrm>
+          <a:off x="0" y="0"/>
+          <a:ext cx="0" cy="0"/>
+          <a:chOff x="0" y="0"/>
+          <a:chExt cx="0" cy="0"/>
+        </a:xfrm>
+      </p:grpSpPr>
+      <p:sp>
+        <p:nvSpPr>
+          <p:cNvPr id="163" name="Shape 163"/>
+          <p:cNvSpPr txBox="1"/>
+          <p:nvPr>
+            <p:ph type="title"/>
+          </p:nvPr>
+        </p:nvSpPr>
+        <p:spPr>
+          <a:xfrm>
+            <a:off x="490250" y="526350"/>
+            <a:ext cx="6083400" cy="4090800"/>
+          </a:xfrm>
+          <a:prstGeom prst="rect">
+            <a:avLst/>
+          </a:prstGeom>
+        </p:spPr>
+        <p:txBody>
+          <a:bodyPr anchorCtr="0" anchor="ctr" bIns="91425" lIns="91425" rIns="91425" tIns="91425">
+            <a:noAutofit/>
+          </a:bodyPr>
+          <a:lstStyle/>
+          <a:p>
             <a:pPr>
               <a:spcBef>
                 <a:spcPts val="0"/>
@@ -6484,7 +7925,315 @@
             </a:pPr>
             <a:r>
               <a:rPr lang="en"/>
-              <a:t>DEMO</a:t>
+              <a:t>Looking forward...</a:t>
+            </a:r>
+          </a:p>
+        </p:txBody>
+      </p:sp>
+    </p:spTree>
+  </p:cSld>
+  <p:clrMapOvr>
+    <a:masterClrMapping/>
+  </p:clrMapOvr>
+  <p:transition spd="slow">
+    <p:cut/>
+  </p:transition>
+</p:sld>
+</file>
+
+<file path=ppt/slides/slide14.xml><?xml version="1.0" encoding="utf-8"?>
+<p:sld xmlns:a="http://schemas.openxmlformats.org/drawingml/2006/main" xmlns:r="http://schemas.openxmlformats.org/officeDocument/2006/relationships" xmlns:mc="http://schemas.openxmlformats.org/markup-compatibility/2006" xmlns:mv="urn:schemas-microsoft-com:mac:vml" xmlns:p="http://schemas.openxmlformats.org/presentationml/2006/main" xmlns:c="http://schemas.openxmlformats.org/drawingml/2006/chart" xmlns:dgm="http://schemas.openxmlformats.org/drawingml/2006/diagram" xmlns:o="urn:schemas-microsoft-com:office:office" xmlns:v="urn:schemas-microsoft-com:vml" xmlns:pvml="urn:schemas-microsoft-com:office:powerpoint" xmlns:com="http://schemas.openxmlformats.org/drawingml/2006/compatibility" xmlns:p14="http://schemas.microsoft.com/office/powerpoint/2010/main">
+  <p:cSld>
+    <p:spTree>
+      <p:nvGrpSpPr>
+        <p:cNvPr id="167" name="Shape 167"/>
+        <p:cNvGrpSpPr/>
+        <p:nvPr/>
+      </p:nvGrpSpPr>
+      <p:grpSpPr>
+        <a:xfrm>
+          <a:off x="0" y="0"/>
+          <a:ext cx="0" cy="0"/>
+          <a:chOff x="0" y="0"/>
+          <a:chExt cx="0" cy="0"/>
+        </a:xfrm>
+      </p:grpSpPr>
+      <p:sp>
+        <p:nvSpPr>
+          <p:cNvPr id="168" name="Shape 168"/>
+          <p:cNvSpPr txBox="1"/>
+          <p:nvPr>
+            <p:ph type="title"/>
+          </p:nvPr>
+        </p:nvSpPr>
+        <p:spPr>
+          <a:xfrm>
+            <a:off x="311700" y="410000"/>
+            <a:ext cx="8520599" cy="607800"/>
+          </a:xfrm>
+          <a:prstGeom prst="rect">
+            <a:avLst/>
+          </a:prstGeom>
+        </p:spPr>
+        <p:txBody>
+          <a:bodyPr anchorCtr="0" anchor="t" bIns="91425" lIns="91425" rIns="91425" tIns="91425">
+            <a:noAutofit/>
+          </a:bodyPr>
+          <a:lstStyle/>
+          <a:p>
+            <a:pPr lvl="0" rtl="0">
+              <a:spcBef>
+                <a:spcPts val="0"/>
+              </a:spcBef>
+              <a:buNone/>
+            </a:pPr>
+            <a:r>
+              <a:rPr lang="en"/>
+              <a:t>Future Plans</a:t>
+            </a:r>
+          </a:p>
+        </p:txBody>
+      </p:sp>
+      <p:sp>
+        <p:nvSpPr>
+          <p:cNvPr id="169" name="Shape 169"/>
+          <p:cNvSpPr txBox="1"/>
+          <p:nvPr>
+            <p:ph idx="1" type="body"/>
+          </p:nvPr>
+        </p:nvSpPr>
+        <p:spPr>
+          <a:xfrm>
+            <a:off x="311700" y="1229875"/>
+            <a:ext cx="8520599" cy="3339000"/>
+          </a:xfrm>
+          <a:prstGeom prst="rect">
+            <a:avLst/>
+          </a:prstGeom>
+        </p:spPr>
+        <p:txBody>
+          <a:bodyPr anchorCtr="0" anchor="t" bIns="91425" lIns="91425" rIns="91425" tIns="91425">
+            <a:noAutofit/>
+          </a:bodyPr>
+          <a:lstStyle/>
+          <a:p>
+            <a:pPr indent="-228600" lvl="0" marL="457200" rtl="0">
+              <a:spcBef>
+                <a:spcPts val="0"/>
+              </a:spcBef>
+              <a:buSzPct val="100000"/>
+            </a:pPr>
+            <a:r>
+              <a:rPr lang="en" sz="1400"/>
+              <a:t>Search bar</a:t>
+            </a:r>
+          </a:p>
+          <a:p>
+            <a:pPr indent="-228600" lvl="0" marL="457200" rtl="0">
+              <a:spcBef>
+                <a:spcPts val="0"/>
+              </a:spcBef>
+              <a:buSzPct val="100000"/>
+            </a:pPr>
+            <a:r>
+              <a:rPr lang="en" sz="1400"/>
+              <a:t>Better password security</a:t>
+            </a:r>
+          </a:p>
+          <a:p>
+            <a:pPr indent="-228600" lvl="0" marL="457200" rtl="0">
+              <a:spcBef>
+                <a:spcPts val="0"/>
+              </a:spcBef>
+              <a:buSzPct val="100000"/>
+            </a:pPr>
+            <a:r>
+              <a:rPr lang="en" sz="1400"/>
+              <a:t>Add more tools to ‘Tool Kit’:</a:t>
+            </a:r>
+          </a:p>
+          <a:p>
+            <a:pPr indent="-228600" lvl="1" marL="914400" rtl="0">
+              <a:spcBef>
+                <a:spcPts val="0"/>
+              </a:spcBef>
+              <a:buSzPct val="100000"/>
+            </a:pPr>
+            <a:r>
+              <a:rPr lang="en" sz="1200"/>
+              <a:t>e.g. Blood alcohol and Basal Metabolic Rate (BMR) calculator</a:t>
+            </a:r>
+          </a:p>
+          <a:p>
+            <a:pPr indent="-228600" lvl="0" marL="457200" rtl="0">
+              <a:spcBef>
+                <a:spcPts val="0"/>
+              </a:spcBef>
+              <a:buSzPct val="100000"/>
+            </a:pPr>
+            <a:r>
+              <a:rPr lang="en" sz="1400"/>
+              <a:t>Complete ‘Dashboard’:</a:t>
+            </a:r>
+          </a:p>
+          <a:p>
+            <a:pPr indent="-228600" lvl="1" marL="914400" rtl="0">
+              <a:spcBef>
+                <a:spcPts val="0"/>
+              </a:spcBef>
+              <a:buSzPct val="100000"/>
+            </a:pPr>
+            <a:r>
+              <a:rPr lang="en" sz="1200"/>
+              <a:t>Inbox - Display messages and replies from forum posts</a:t>
+            </a:r>
+          </a:p>
+          <a:p>
+            <a:pPr indent="-228600" lvl="1" marL="914400" rtl="0">
+              <a:spcBef>
+                <a:spcPts val="0"/>
+              </a:spcBef>
+              <a:buSzPct val="100000"/>
+            </a:pPr>
+            <a:r>
+              <a:rPr lang="en" sz="1200"/>
+              <a:t>Info - Display user profile information:</a:t>
+            </a:r>
+          </a:p>
+          <a:p>
+            <a:pPr indent="-228600" lvl="2" marL="1371600" rtl="0">
+              <a:spcBef>
+                <a:spcPts val="0"/>
+              </a:spcBef>
+              <a:buSzPct val="100000"/>
+            </a:pPr>
+            <a:r>
+              <a:rPr lang="en" sz="1200"/>
+              <a:t>e.g. preferred health care facilities, interests, etc.</a:t>
+            </a:r>
+          </a:p>
+          <a:p>
+            <a:pPr indent="-228600" lvl="1" marL="914400" rtl="0">
+              <a:spcBef>
+                <a:spcPts val="0"/>
+              </a:spcBef>
+              <a:buSzPct val="100000"/>
+            </a:pPr>
+            <a:r>
+              <a:rPr lang="en" sz="1200"/>
+              <a:t>Stats - List and display different biometrics such as BMI</a:t>
+            </a:r>
+          </a:p>
+          <a:p>
+            <a:pPr indent="-228600" lvl="2" marL="1371600" rtl="0">
+              <a:spcBef>
+                <a:spcPts val="0"/>
+              </a:spcBef>
+              <a:buSzPct val="100000"/>
+            </a:pPr>
+            <a:r>
+              <a:rPr lang="en" sz="1200"/>
+              <a:t>Can be set to private</a:t>
+            </a:r>
+          </a:p>
+          <a:p>
+            <a:pPr indent="-228600" lvl="1" marL="914400" rtl="0">
+              <a:spcBef>
+                <a:spcPts val="0"/>
+              </a:spcBef>
+              <a:buSzPct val="100000"/>
+            </a:pPr>
+            <a:r>
+              <a:rPr lang="en" sz="1200"/>
+              <a:t>Settings - Update user account information such as privacy</a:t>
+            </a:r>
+          </a:p>
+          <a:p>
+            <a:pPr indent="-228600" lvl="0" marL="457200" rtl="0">
+              <a:spcBef>
+                <a:spcPts val="0"/>
+              </a:spcBef>
+              <a:buSzPct val="100000"/>
+            </a:pPr>
+            <a:r>
+              <a:rPr lang="en" sz="1400"/>
+              <a:t>‘User Interests’ feed</a:t>
+            </a:r>
+          </a:p>
+          <a:p>
+            <a:pPr indent="-228600" lvl="1" marL="914400" rtl="0">
+              <a:spcBef>
+                <a:spcPts val="0"/>
+              </a:spcBef>
+              <a:buSzPct val="100000"/>
+            </a:pPr>
+            <a:r>
+              <a:rPr lang="en" sz="1200"/>
+              <a:t>Narrow options of what is displayed from user home page</a:t>
+            </a:r>
+          </a:p>
+        </p:txBody>
+      </p:sp>
+    </p:spTree>
+  </p:cSld>
+  <p:clrMapOvr>
+    <a:masterClrMapping/>
+  </p:clrMapOvr>
+  <p:transition spd="slow">
+    <p:cut/>
+  </p:transition>
+</p:sld>
+</file>
+
+<file path=ppt/slides/slide15.xml><?xml version="1.0" encoding="utf-8"?>
+<p:sld xmlns:a="http://schemas.openxmlformats.org/drawingml/2006/main" xmlns:r="http://schemas.openxmlformats.org/officeDocument/2006/relationships" xmlns:mc="http://schemas.openxmlformats.org/markup-compatibility/2006" xmlns:mv="urn:schemas-microsoft-com:mac:vml" xmlns:p="http://schemas.openxmlformats.org/presentationml/2006/main" xmlns:c="http://schemas.openxmlformats.org/drawingml/2006/chart" xmlns:dgm="http://schemas.openxmlformats.org/drawingml/2006/diagram" xmlns:o="urn:schemas-microsoft-com:office:office" xmlns:v="urn:schemas-microsoft-com:vml" xmlns:pvml="urn:schemas-microsoft-com:office:powerpoint" xmlns:com="http://schemas.openxmlformats.org/drawingml/2006/compatibility" xmlns:p14="http://schemas.microsoft.com/office/powerpoint/2010/main">
+  <p:cSld>
+    <p:spTree>
+      <p:nvGrpSpPr>
+        <p:cNvPr id="173" name="Shape 173"/>
+        <p:cNvGrpSpPr/>
+        <p:nvPr/>
+      </p:nvGrpSpPr>
+      <p:grpSpPr>
+        <a:xfrm>
+          <a:off x="0" y="0"/>
+          <a:ext cx="0" cy="0"/>
+          <a:chOff x="0" y="0"/>
+          <a:chExt cx="0" cy="0"/>
+        </a:xfrm>
+      </p:grpSpPr>
+      <p:sp>
+        <p:nvSpPr>
+          <p:cNvPr id="174" name="Shape 174"/>
+          <p:cNvSpPr txBox="1"/>
+          <p:nvPr>
+            <p:ph type="title"/>
+          </p:nvPr>
+        </p:nvSpPr>
+        <p:spPr>
+          <a:xfrm>
+            <a:off x="490250" y="526350"/>
+            <a:ext cx="5618700" cy="4090800"/>
+          </a:xfrm>
+          <a:prstGeom prst="rect">
+            <a:avLst/>
+          </a:prstGeom>
+        </p:spPr>
+        <p:txBody>
+          <a:bodyPr anchorCtr="0" anchor="ctr" bIns="91425" lIns="91425" rIns="91425" tIns="91425">
+            <a:noAutofit/>
+          </a:bodyPr>
+          <a:lstStyle/>
+          <a:p>
+            <a:pPr lvl="0" rtl="0">
+              <a:spcBef>
+                <a:spcPts val="0"/>
+              </a:spcBef>
+              <a:buNone/>
+            </a:pPr>
+            <a:r>
+              <a:rPr lang="en"/>
+              <a:t>Questions?</a:t>
             </a:r>
           </a:p>
         </p:txBody>
@@ -6505,7 +8254,7 @@
   <p:cSld>
     <p:spTree>
       <p:nvGrpSpPr>
-        <p:cNvPr id="89" name="Shape 89"/>
+        <p:cNvPr id="90" name="Shape 90"/>
         <p:cNvGrpSpPr/>
         <p:nvPr/>
       </p:nvGrpSpPr>
@@ -6519,7 +8268,7 @@
       </p:grpSpPr>
       <p:sp>
         <p:nvSpPr>
-          <p:cNvPr id="90" name="Shape 90"/>
+          <p:cNvPr id="91" name="Shape 91"/>
           <p:cNvSpPr txBox="1"/>
           <p:nvPr>
             <p:ph type="title"/>
@@ -6540,7 +8289,7 @@
           </a:bodyPr>
           <a:lstStyle/>
           <a:p>
-            <a:pPr>
+            <a:pPr lvl="0" rtl="0">
               <a:spcBef>
                 <a:spcPts val="0"/>
               </a:spcBef>
@@ -6548,14 +8297,14 @@
             </a:pPr>
             <a:r>
               <a:rPr lang="en"/>
-              <a:t>The Idea</a:t>
+              <a:t>Agenda</a:t>
             </a:r>
           </a:p>
         </p:txBody>
       </p:sp>
       <p:sp>
         <p:nvSpPr>
-          <p:cNvPr id="91" name="Shape 91"/>
+          <p:cNvPr id="92" name="Shape 92"/>
           <p:cNvSpPr txBox="1"/>
           <p:nvPr>
             <p:ph idx="1" type="body"/>
@@ -6564,7 +8313,7 @@
         <p:spPr>
           <a:xfrm>
             <a:off x="311700" y="1229875"/>
-            <a:ext cx="8520599" cy="3339000"/>
+            <a:ext cx="8832299" cy="3339000"/>
           </a:xfrm>
           <a:prstGeom prst="rect">
             <a:avLst/>
@@ -6585,7 +8334,7 @@
             </a:pPr>
             <a:r>
               <a:rPr lang="en" sz="1900"/>
-              <a:t>A Quora for health-related issues</a:t>
+              <a:t>The idea</a:t>
             </a:r>
           </a:p>
           <a:p>
@@ -6598,11 +8347,11 @@
             </a:pPr>
             <a:r>
               <a:rPr lang="en" sz="1900"/>
-              <a:t>A Q &amp; A Forum</a:t>
-            </a:r>
-          </a:p>
-          <a:p>
-            <a:pPr indent="-349250" lvl="0" marL="457200">
+              <a:t>Tech specs</a:t>
+            </a:r>
+          </a:p>
+          <a:p>
+            <a:pPr indent="-349250" lvl="0" marL="457200" rtl="0">
               <a:spcBef>
                 <a:spcPts val="0"/>
               </a:spcBef>
@@ -6611,35 +8360,33 @@
             </a:pPr>
             <a:r>
               <a:rPr lang="en" sz="1900"/>
-              <a:t>Extra features</a:t>
-            </a:r>
-            <a:br>
+              <a:t>Demo</a:t>
+            </a:r>
+          </a:p>
+          <a:p>
+            <a:pPr indent="-349250" lvl="0" marL="457200" rtl="0">
+              <a:spcBef>
+                <a:spcPts val="0"/>
+              </a:spcBef>
+              <a:buSzPct val="100000"/>
+              <a:buChar char="-"/>
+            </a:pPr>
+            <a:r>
               <a:rPr lang="en" sz="1900"/>
-            </a:br>
+              <a:t>Next step</a:t>
+            </a:r>
+          </a:p>
+          <a:p>
+            <a:pPr indent="-349250" lvl="0" marL="457200" rtl="0">
+              <a:spcBef>
+                <a:spcPts val="0"/>
+              </a:spcBef>
+              <a:buSzPct val="100000"/>
+              <a:buChar char="-"/>
+            </a:pPr>
             <a:r>
               <a:rPr lang="en" sz="1900"/>
-              <a:t>- Toolkit (BMI Calculator)</a:t>
-            </a:r>
-            <a:br>
-              <a:rPr lang="en" sz="1900"/>
-            </a:br>
-            <a:r>
-              <a:rPr lang="en" sz="1900"/>
-              <a:t>- Auto-locate and search for nearby doctors</a:t>
-            </a:r>
-            <a:br>
-              <a:rPr lang="en" sz="1900"/>
-            </a:br>
-            <a:r>
-              <a:rPr lang="en" sz="1900"/>
-              <a:t>- Hot Deals </a:t>
-            </a:r>
-            <a:br>
-              <a:rPr lang="en" sz="1900"/>
-            </a:br>
-            <a:r>
-              <a:rPr lang="en" sz="1900"/>
-              <a:t>   </a:t>
+              <a:t>Q &amp; A</a:t>
             </a:r>
           </a:p>
         </p:txBody>
@@ -6660,7 +8407,7 @@
   <p:cSld>
     <p:spTree>
       <p:nvGrpSpPr>
-        <p:cNvPr id="95" name="Shape 95"/>
+        <p:cNvPr id="96" name="Shape 96"/>
         <p:cNvGrpSpPr/>
         <p:nvPr/>
       </p:nvGrpSpPr>
@@ -6674,7 +8421,7 @@
       </p:grpSpPr>
       <p:sp>
         <p:nvSpPr>
-          <p:cNvPr id="96" name="Shape 96"/>
+          <p:cNvPr id="97" name="Shape 97"/>
           <p:cNvSpPr txBox="1"/>
           <p:nvPr>
             <p:ph type="title"/>
@@ -6703,14 +8450,14 @@
             </a:pPr>
             <a:r>
               <a:rPr lang="en"/>
-              <a:t>Dashboard</a:t>
+              <a:t>The Idea</a:t>
             </a:r>
           </a:p>
         </p:txBody>
       </p:sp>
       <p:sp>
         <p:nvSpPr>
-          <p:cNvPr id="97" name="Shape 97"/>
+          <p:cNvPr id="98" name="Shape 98"/>
           <p:cNvSpPr txBox="1"/>
           <p:nvPr>
             <p:ph idx="1" type="body"/>
@@ -6719,7 +8466,7 @@
         <p:spPr>
           <a:xfrm>
             <a:off x="311700" y="1229875"/>
-            <a:ext cx="8520599" cy="3339000"/>
+            <a:ext cx="8832299" cy="3339000"/>
           </a:xfrm>
           <a:prstGeom prst="rect">
             <a:avLst/>
@@ -6731,15 +8478,57 @@
           </a:bodyPr>
           <a:lstStyle/>
           <a:p>
-            <a:pPr>
-              <a:spcBef>
-                <a:spcPts val="0"/>
-              </a:spcBef>
-              <a:buNone/>
-            </a:pPr>
-            <a:r>
-              <a:rPr lang="en"/>
-              <a:t>Provides a view to access application features:</a:t>
+            <a:pPr indent="-349250" lvl="0" marL="457200" rtl="0">
+              <a:spcBef>
+                <a:spcPts val="0"/>
+              </a:spcBef>
+              <a:buSzPct val="100000"/>
+              <a:buChar char="-"/>
+            </a:pPr>
+            <a:r>
+              <a:rPr lang="en" sz="1900"/>
+              <a:t>A place for discussing health-related issues with an old fashioned web style design</a:t>
+            </a:r>
+          </a:p>
+          <a:p>
+            <a:pPr indent="-349250" lvl="0" marL="457200">
+              <a:spcBef>
+                <a:spcPts val="0"/>
+              </a:spcBef>
+              <a:buSzPct val="100000"/>
+              <a:buChar char="-"/>
+            </a:pPr>
+            <a:r>
+              <a:rPr lang="en" sz="1900"/>
+              <a:t>Extra features</a:t>
+            </a:r>
+            <a:br>
+              <a:rPr lang="en" sz="1900"/>
+            </a:br>
+            <a:r>
+              <a:rPr lang="en" sz="1900"/>
+              <a:t>- Toolkit (BMI Calculator)</a:t>
+            </a:r>
+            <a:br>
+              <a:rPr lang="en" sz="1900"/>
+            </a:br>
+            <a:r>
+              <a:rPr lang="en" sz="1900"/>
+              <a:t>- Auto-locate and search for nearby doctors</a:t>
+            </a:r>
+            <a:br>
+              <a:rPr lang="en" sz="1900"/>
+            </a:br>
+            <a:r>
+              <a:rPr lang="en" sz="1900"/>
+              <a:t>- Hot Deals </a:t>
+            </a:r>
+            <a:br>
+              <a:rPr lang="en" sz="1900"/>
+            </a:br>
+            <a:r>
+              <a:rPr lang="en" sz="1900"/>
+              <a:t>   </a:t>
             </a:r>
           </a:p>
         </p:txBody>
@@ -6760,7 +8549,7 @@
   <p:cSld>
     <p:spTree>
       <p:nvGrpSpPr>
-        <p:cNvPr id="101" name="Shape 101"/>
+        <p:cNvPr id="102" name="Shape 102"/>
         <p:cNvGrpSpPr/>
         <p:nvPr/>
       </p:nvGrpSpPr>
@@ -6774,7 +8563,7 @@
       </p:grpSpPr>
       <p:sp>
         <p:nvSpPr>
-          <p:cNvPr id="102" name="Shape 102"/>
+          <p:cNvPr id="103" name="Shape 103"/>
           <p:cNvSpPr txBox="1"/>
           <p:nvPr>
             <p:ph type="title"/>
@@ -6810,7 +8599,7 @@
       </p:sp>
       <p:sp>
         <p:nvSpPr>
-          <p:cNvPr id="103" name="Shape 103"/>
+          <p:cNvPr id="104" name="Shape 104"/>
           <p:cNvSpPr txBox="1"/>
           <p:nvPr>
             <p:ph idx="1" type="body"/>
@@ -6852,7 +8641,7 @@
       </p:sp>
       <p:pic>
         <p:nvPicPr>
-          <p:cNvPr id="104" name="Shape 104"/>
+          <p:cNvPr id="105" name="Shape 105"/>
           <p:cNvPicPr preferRelativeResize="0"/>
           <p:nvPr/>
         </p:nvPicPr>
@@ -6894,7 +8683,7 @@
   <p:cSld>
     <p:spTree>
       <p:nvGrpSpPr>
-        <p:cNvPr id="108" name="Shape 108"/>
+        <p:cNvPr id="109" name="Shape 109"/>
         <p:cNvGrpSpPr/>
         <p:nvPr/>
       </p:nvGrpSpPr>
@@ -6908,7 +8697,7 @@
       </p:grpSpPr>
       <p:sp>
         <p:nvSpPr>
-          <p:cNvPr id="109" name="Shape 109"/>
+          <p:cNvPr id="110" name="Shape 110"/>
           <p:cNvSpPr txBox="1"/>
           <p:nvPr>
             <p:ph type="title"/>
@@ -6937,14 +8726,14 @@
             </a:pPr>
             <a:r>
               <a:rPr lang="en"/>
-              <a:t>Provider Locator</a:t>
+              <a:t>Hot Deals</a:t>
             </a:r>
           </a:p>
         </p:txBody>
       </p:sp>
       <p:sp>
         <p:nvSpPr>
-          <p:cNvPr id="110" name="Shape 110"/>
+          <p:cNvPr id="111" name="Shape 111"/>
           <p:cNvSpPr txBox="1"/>
           <p:nvPr>
             <p:ph idx="1" type="body"/>
@@ -6965,153 +8754,49 @@
           </a:bodyPr>
           <a:lstStyle/>
           <a:p>
-            <a:pPr rtl="0">
-              <a:spcBef>
-                <a:spcPts val="0"/>
-              </a:spcBef>
-              <a:buNone/>
+            <a:pPr indent="-228600" lvl="0" marL="457200" rtl="0">
+              <a:spcBef>
+                <a:spcPts val="0"/>
+              </a:spcBef>
+              <a:buChar char="-"/>
             </a:pPr>
             <a:r>
               <a:rPr lang="en"/>
-              <a:t>Provider Locator (Google Map Services)</a:t>
-            </a:r>
-          </a:p>
-          <a:p>
-            <a:pPr rtl="0">
-              <a:lnSpc>
-                <a:spcPct val="100000"/>
-              </a:lnSpc>
-              <a:spcBef>
-                <a:spcPts val="0"/>
-              </a:spcBef>
-              <a:buNone/>
-            </a:pPr>
-            <a:r>
-              <a:rPr lang="en" sz="1000"/>
-              <a:t>function initMap() {</a:t>
-            </a:r>
-          </a:p>
-          <a:p>
-            <a:pPr rtl="0">
-              <a:lnSpc>
-                <a:spcPct val="100000"/>
-              </a:lnSpc>
-              <a:spcBef>
-                <a:spcPts val="0"/>
-              </a:spcBef>
-              <a:buNone/>
-            </a:pPr>
-            <a:r>
-              <a:rPr lang="en" sz="1000"/>
-              <a:t>    navigator.geolocation.getCurrentPosition(function(position) {</a:t>
+              <a:t>To demonstrate knowledge of rails db</a:t>
+            </a:r>
+          </a:p>
+          <a:p>
+            <a:pPr indent="-228600" lvl="0" marL="457200" rtl="0">
+              <a:spcBef>
+                <a:spcPts val="0"/>
+              </a:spcBef>
+              <a:buChar char="-"/>
+            </a:pPr>
+            <a:r>
+              <a:rPr lang="en"/>
+              <a:t>Redirect to an external marketplace, where patients can filter health-related products or procedures based on the area of the body, illness, injury, etc.</a:t>
+            </a:r>
+          </a:p>
+          <a:p>
+            <a:pPr indent="-228600" lvl="1" marL="914400" rtl="0">
+              <a:spcBef>
+                <a:spcPts val="0"/>
+              </a:spcBef>
+              <a:buChar char="-"/>
+            </a:pPr>
+            <a:r>
+              <a:rPr lang="en" sz="1800"/>
+              <a:t>Allows users who are paying out-of-pocket to shop around</a:t>
             </a:r>
             <a:br>
-              <a:rPr lang="en" sz="1000"/>
+              <a:rPr lang="en"/>
             </a:br>
-            <a:r>
-              <a:rPr lang="en" sz="1000"/>
-              <a:t>	pos = {lat: position.coords.latitude,</a:t>
-            </a:r>
             <a:br>
-              <a:rPr lang="en" sz="1000"/>
+              <a:rPr lang="en"/>
             </a:br>
-            <a:r>
-              <a:rPr lang="en" sz="1000"/>
-              <a:t>		lng: position.coords.longitude};</a:t>
-            </a:r>
-          </a:p>
-          <a:p>
-            <a:pPr indent="457200" rtl="0">
-              <a:lnSpc>
-                <a:spcPct val="100000"/>
-              </a:lnSpc>
-              <a:spcBef>
-                <a:spcPts val="0"/>
-              </a:spcBef>
-              <a:buNone/>
-            </a:pPr>
-            <a:r>
-              <a:rPr lang="en" sz="1000"/>
-              <a:t>map = new google.maps.Map(document.getElementById('map'), {</a:t>
-            </a:r>
             <a:br>
-              <a:rPr lang="en" sz="1000"/>
+              <a:rPr lang="en"/>
             </a:br>
-            <a:r>
-              <a:rPr lang="en" sz="1000"/>
-              <a:t>	center: pos,</a:t>
-            </a:r>
-            <a:br>
-              <a:rPr lang="en" sz="1000"/>
-            </a:br>
-            <a:r>
-              <a:rPr lang="en" sz="1000"/>
-              <a:t>	zoom: 15</a:t>
-            </a:r>
-          </a:p>
-          <a:p>
-            <a:pPr rtl="0">
-              <a:lnSpc>
-                <a:spcPct val="100000"/>
-              </a:lnSpc>
-              <a:spcBef>
-                <a:spcPts val="0"/>
-              </a:spcBef>
-              <a:buNone/>
-            </a:pPr>
-            <a:r>
-              <a:rPr lang="en" sz="1000"/>
-              <a:t>});</a:t>
-            </a:r>
-          </a:p>
-          <a:p>
-            <a:pPr rtl="0">
-              <a:lnSpc>
-                <a:spcPct val="100000"/>
-              </a:lnSpc>
-              <a:spcBef>
-                <a:spcPts val="0"/>
-              </a:spcBef>
-              <a:buNone/>
-            </a:pPr>
-            <a:r>
-              <a:rPr lang="en" sz="1000"/>
-              <a:t>infowindow = new google.maps.InfoWindow();</a:t>
-            </a:r>
-            <a:br>
-              <a:rPr lang="en" sz="1000"/>
-            </a:br>
-            <a:r>
-              <a:rPr lang="en" sz="1000"/>
-              <a:t>var service = new google.maps.places.PlacesService(map);</a:t>
-            </a:r>
-          </a:p>
-          <a:p>
-            <a:pPr rtl="0">
-              <a:lnSpc>
-                <a:spcPct val="100000"/>
-              </a:lnSpc>
-              <a:spcBef>
-                <a:spcPts val="0"/>
-              </a:spcBef>
-              <a:buNone/>
-            </a:pPr>
-            <a:r>
-              <a:rPr lang="en" sz="1000"/>
-              <a:t>service.nearbySearch({location: pos, radius: 500, types: ['store']}, callback);});}</a:t>
-            </a:r>
-          </a:p>
-          <a:p>
-            <a:pPr>
-              <a:spcBef>
-                <a:spcPts val="0"/>
-              </a:spcBef>
-              <a:buNone/>
-            </a:pPr>
-            <a:r>
-              <a:t/>
-            </a:r>
-            <a:endParaRPr/>
           </a:p>
         </p:txBody>
       </p:sp>
@@ -7131,7 +8816,7 @@
   <p:cSld>
     <p:spTree>
       <p:nvGrpSpPr>
-        <p:cNvPr id="114" name="Shape 114"/>
+        <p:cNvPr id="115" name="Shape 115"/>
         <p:cNvGrpSpPr/>
         <p:nvPr/>
       </p:nvGrpSpPr>
@@ -7145,7 +8830,7 @@
       </p:grpSpPr>
       <p:sp>
         <p:nvSpPr>
-          <p:cNvPr id="115" name="Shape 115"/>
+          <p:cNvPr id="116" name="Shape 116"/>
           <p:cNvSpPr txBox="1"/>
           <p:nvPr>
             <p:ph type="title"/>
@@ -7181,7 +8866,7 @@
       </p:sp>
       <p:sp>
         <p:nvSpPr>
-          <p:cNvPr id="116" name="Shape 116"/>
+          <p:cNvPr id="117" name="Shape 117"/>
           <p:cNvSpPr txBox="1"/>
           <p:nvPr>
             <p:ph idx="1" type="body"/>
@@ -7232,7 +8917,7 @@
       </p:sp>
       <p:pic>
         <p:nvPicPr>
-          <p:cNvPr id="117" name="Shape 117"/>
+          <p:cNvPr id="118" name="Shape 118"/>
           <p:cNvPicPr preferRelativeResize="0"/>
           <p:nvPr/>
         </p:nvPicPr>
@@ -7274,7 +8959,7 @@
   <p:cSld>
     <p:spTree>
       <p:nvGrpSpPr>
-        <p:cNvPr id="121" name="Shape 121"/>
+        <p:cNvPr id="122" name="Shape 122"/>
         <p:cNvGrpSpPr/>
         <p:nvPr/>
       </p:nvGrpSpPr>
@@ -7288,7 +8973,7 @@
       </p:grpSpPr>
       <p:sp>
         <p:nvSpPr>
-          <p:cNvPr id="122" name="Shape 122"/>
+          <p:cNvPr id="123" name="Shape 123"/>
           <p:cNvSpPr txBox="1"/>
           <p:nvPr>
             <p:ph type="title"/>
@@ -7309,7 +8994,7 @@
           </a:bodyPr>
           <a:lstStyle/>
           <a:p>
-            <a:pPr>
+            <a:pPr lvl="0" rtl="0">
               <a:spcBef>
                 <a:spcPts val="0"/>
               </a:spcBef>
@@ -7317,14 +9002,14 @@
             </a:pPr>
             <a:r>
               <a:rPr lang="en"/>
-              <a:t>Toolkit (BMI Javascript)</a:t>
+              <a:t>Q &amp; A Forum</a:t>
             </a:r>
           </a:p>
         </p:txBody>
       </p:sp>
       <p:sp>
         <p:nvSpPr>
-          <p:cNvPr id="123" name="Shape 123"/>
+          <p:cNvPr id="124" name="Shape 124"/>
           <p:cNvSpPr txBox="1"/>
           <p:nvPr>
             <p:ph idx="1" type="body"/>
@@ -7345,164 +9030,50 @@
           </a:bodyPr>
           <a:lstStyle/>
           <a:p>
-            <a:pPr rtl="0">
-              <a:spcBef>
-                <a:spcPts val="0"/>
-              </a:spcBef>
-              <a:buNone/>
-            </a:pPr>
-            <a:r>
-              <a:rPr lang="en" sz="900"/>
-              <a:t>function calculateBmi() {</a:t>
+            <a:pPr lvl="0" rtl="0">
+              <a:spcBef>
+                <a:spcPts val="0"/>
+              </a:spcBef>
+              <a:buNone/>
+            </a:pPr>
+            <a:r>
+              <a:rPr lang="en"/>
+              <a:t>Ask health-related questions:</a:t>
             </a:r>
             <a:br>
-              <a:rPr lang="en" sz="900"/>
+              <a:rPr lang="en"/>
             </a:br>
-            <a:r>
-              <a:rPr lang="en" sz="900"/>
-              <a:t>        var weight = document.bmiForm.weight.value</a:t>
-            </a:r>
-            <a:br>
-              <a:rPr lang="en" sz="900"/>
-            </a:br>
-            <a:r>
-              <a:rPr lang="en" sz="900"/>
-              <a:t>        var height = document.bmiForm.height.value</a:t>
-            </a:r>
-            <a:br>
-              <a:rPr lang="en" sz="900"/>
-            </a:br>
-            <a:r>
-              <a:rPr lang="en" sz="900"/>
-              <a:t>        if(weight &gt; 0 &amp;&amp; height &gt; 0){</a:t>
-            </a:r>
-            <a:br>
-              <a:rPr lang="en" sz="900"/>
-            </a:br>
-            <a:r>
-              <a:rPr lang="en" sz="900"/>
-              <a:t>            var finalBmi = weight/(height/100*height/100)</a:t>
-            </a:r>
-            <a:br>
-              <a:rPr lang="en" sz="900"/>
-            </a:br>
-            <a:r>
-              <a:rPr lang="en" sz="900"/>
-              <a:t>            document.bmiForm.bmi.value = finalBmi</a:t>
-            </a:r>
-            <a:br>
-              <a:rPr lang="en" sz="900"/>
-            </a:br>
-            <a:r>
-              <a:rPr lang="en" sz="900"/>
-              <a:t>            if(finalBmi &lt; 18.5){</a:t>
-            </a:r>
-            <a:br>
-              <a:rPr lang="en" sz="900"/>
-            </a:br>
-            <a:r>
-              <a:rPr lang="en" sz="900"/>
-              <a:t>                document.bmiForm.meaning.value = "That you are too thin."</a:t>
-            </a:r>
-            <a:br>
-              <a:rPr lang="en" sz="900"/>
-            </a:br>
-            <a:r>
-              <a:rPr lang="en" sz="900"/>
-              <a:t>            }</a:t>
-            </a:r>
-            <a:br>
-              <a:rPr lang="en" sz="900"/>
-            </a:br>
-            <a:r>
-              <a:rPr lang="en" sz="900"/>
-              <a:t>            if(finalBmi &gt; 18.5 &amp;&amp; finalBmi &lt; 25){</a:t>
-            </a:r>
-            <a:br>
-              <a:rPr lang="en" sz="900"/>
-            </a:br>
-            <a:r>
-              <a:rPr lang="en" sz="900"/>
-              <a:t>                document.bmiForm.meaning.value = "That you are healthy."</a:t>
-            </a:r>
-            <a:br>
-              <a:rPr lang="en" sz="900"/>
-            </a:br>
-            <a:r>
-              <a:rPr lang="en" sz="900"/>
-              <a:t>            }</a:t>
-            </a:r>
-            <a:br>
-              <a:rPr lang="en" sz="900"/>
-            </a:br>
-            <a:r>
-              <a:rPr lang="en" sz="900"/>
-              <a:t>            if(finalBmi &gt; 25){</a:t>
-            </a:r>
-            <a:br>
-              <a:rPr lang="en" sz="900"/>
-            </a:br>
-            <a:r>
-              <a:rPr lang="en" sz="900"/>
-              <a:t>                document.bmiForm.meaning.value = "That you are overweight."</a:t>
-            </a:r>
-            <a:br>
-              <a:rPr lang="en" sz="900"/>
-            </a:br>
-            <a:r>
-              <a:rPr lang="en" sz="900"/>
-              <a:t>            }</a:t>
-            </a:r>
-            <a:br>
-              <a:rPr lang="en" sz="900"/>
-            </a:br>
-            <a:r>
-              <a:rPr lang="en" sz="900"/>
-              <a:t>        }</a:t>
-            </a:r>
-            <a:br>
-              <a:rPr lang="en" sz="900"/>
-            </a:br>
-            <a:r>
-              <a:rPr lang="en" sz="900"/>
-              <a:t>        else{</a:t>
-            </a:r>
-            <a:br>
-              <a:rPr lang="en" sz="900"/>
-            </a:br>
-            <a:r>
-              <a:rPr lang="en" sz="900"/>
-              <a:t>            alert("ERROR: Please Fill in everything correctly.")</a:t>
-            </a:r>
-            <a:br>
-              <a:rPr lang="en" sz="900"/>
-            </a:br>
-            <a:r>
-              <a:rPr lang="en" sz="900"/>
-              <a:t>        }</a:t>
-            </a:r>
-            <a:br>
-              <a:rPr lang="en" sz="900"/>
-            </a:br>
-            <a:r>
-              <a:rPr lang="en" sz="900"/>
-              <a:t> }</a:t>
-            </a:r>
-          </a:p>
-          <a:p>
-            <a:pPr>
-              <a:spcBef>
-                <a:spcPts val="0"/>
-              </a:spcBef>
-              <a:buNone/>
-            </a:pPr>
-            <a:r>
-              <a:t/>
-            </a:r>
-            <a:endParaRPr sz="600"/>
           </a:p>
         </p:txBody>
       </p:sp>
+      <p:pic>
+        <p:nvPicPr>
+          <p:cNvPr id="125" name="Shape 125"/>
+          <p:cNvPicPr preferRelativeResize="0"/>
+          <p:nvPr/>
+        </p:nvPicPr>
+        <p:blipFill>
+          <a:blip r:embed="rId3">
+            <a:alphaModFix/>
+          </a:blip>
+          <a:stretch>
+            <a:fillRect/>
+          </a:stretch>
+        </p:blipFill>
+        <p:spPr>
+          <a:xfrm>
+            <a:off x="759250" y="2056850"/>
+            <a:ext cx="4703926" cy="2014274"/>
+          </a:xfrm>
+          <a:prstGeom prst="rect">
+            <a:avLst/>
+          </a:prstGeom>
+          <a:noFill/>
+          <a:ln>
+            <a:noFill/>
+          </a:ln>
+        </p:spPr>
+      </p:pic>
     </p:spTree>
   </p:cSld>
   <p:clrMapOvr>
@@ -7519,7 +9090,7 @@
   <p:cSld>
     <p:spTree>
       <p:nvGrpSpPr>
-        <p:cNvPr id="127" name="Shape 127"/>
+        <p:cNvPr id="129" name="Shape 129"/>
         <p:cNvGrpSpPr/>
         <p:nvPr/>
       </p:nvGrpSpPr>
@@ -7533,7 +9104,7 @@
       </p:grpSpPr>
       <p:sp>
         <p:nvSpPr>
-          <p:cNvPr id="128" name="Shape 128"/>
+          <p:cNvPr id="130" name="Shape 130"/>
           <p:cNvSpPr txBox="1"/>
           <p:nvPr>
             <p:ph type="title"/>
@@ -7554,7 +9125,7 @@
           </a:bodyPr>
           <a:lstStyle/>
           <a:p>
-            <a:pPr lvl="0" rtl="0">
+            <a:pPr>
               <a:spcBef>
                 <a:spcPts val="0"/>
               </a:spcBef>
@@ -7562,14 +9133,14 @@
             </a:pPr>
             <a:r>
               <a:rPr lang="en"/>
-              <a:t>Q &amp; A Forum</a:t>
+              <a:t>Dashboard</a:t>
             </a:r>
           </a:p>
         </p:txBody>
       </p:sp>
       <p:sp>
         <p:nvSpPr>
-          <p:cNvPr id="129" name="Shape 129"/>
+          <p:cNvPr id="131" name="Shape 131"/>
           <p:cNvSpPr txBox="1"/>
           <p:nvPr>
             <p:ph idx="1" type="body"/>
@@ -7590,7 +9161,7 @@
           </a:bodyPr>
           <a:lstStyle/>
           <a:p>
-            <a:pPr lvl="0" rtl="0">
+            <a:pPr>
               <a:spcBef>
                 <a:spcPts val="0"/>
               </a:spcBef>
@@ -7598,17 +9169,14 @@
             </a:pPr>
             <a:r>
               <a:rPr lang="en"/>
-              <a:t>Ask health-related questions:</a:t>
-            </a:r>
-            <a:br>
-              <a:rPr lang="en"/>
-            </a:br>
+              <a:t>-To show user profile, stats, settings:</a:t>
+            </a:r>
           </a:p>
         </p:txBody>
       </p:sp>
       <p:pic>
         <p:nvPicPr>
-          <p:cNvPr id="130" name="Shape 130"/>
+          <p:cNvPr id="132" name="Shape 132"/>
           <p:cNvPicPr preferRelativeResize="0"/>
           <p:nvPr/>
         </p:nvPicPr>
@@ -7622,8 +9190,8 @@
         </p:blipFill>
         <p:spPr>
           <a:xfrm>
-            <a:off x="759250" y="2056850"/>
-            <a:ext cx="4703926" cy="2014274"/>
+            <a:off x="1141850" y="1796750"/>
+            <a:ext cx="4894473" cy="2541924"/>
           </a:xfrm>
           <a:prstGeom prst="rect">
             <a:avLst/>
@@ -7650,7 +9218,7 @@
   <p:cSld>
     <p:spTree>
       <p:nvGrpSpPr>
-        <p:cNvPr id="134" name="Shape 134"/>
+        <p:cNvPr id="136" name="Shape 136"/>
         <p:cNvGrpSpPr/>
         <p:nvPr/>
       </p:nvGrpSpPr>
@@ -7664,7 +9232,7 @@
       </p:grpSpPr>
       <p:sp>
         <p:nvSpPr>
-          <p:cNvPr id="135" name="Shape 135"/>
+          <p:cNvPr id="137" name="Shape 137"/>
           <p:cNvSpPr txBox="1"/>
           <p:nvPr>
             <p:ph type="title"/>
@@ -7672,20 +9240,20 @@
         </p:nvSpPr>
         <p:spPr>
           <a:xfrm>
-            <a:off x="311700" y="410000"/>
-            <a:ext cx="8520599" cy="607800"/>
+            <a:off x="490250" y="526350"/>
+            <a:ext cx="6083400" cy="4090800"/>
           </a:xfrm>
           <a:prstGeom prst="rect">
             <a:avLst/>
           </a:prstGeom>
         </p:spPr>
         <p:txBody>
-          <a:bodyPr anchorCtr="0" anchor="t" bIns="91425" lIns="91425" rIns="91425" tIns="91425">
+          <a:bodyPr anchorCtr="0" anchor="ctr" bIns="91425" lIns="91425" rIns="91425" tIns="91425">
             <a:noAutofit/>
           </a:bodyPr>
           <a:lstStyle/>
           <a:p>
-            <a:pPr>
+            <a:pPr lvl="0" rtl="0">
               <a:spcBef>
                 <a:spcPts val="0"/>
               </a:spcBef>
@@ -7693,77 +9261,8 @@
             </a:pPr>
             <a:r>
               <a:rPr lang="en"/>
-              <a:t>Hot Deals</a:t>
-            </a:r>
-          </a:p>
-        </p:txBody>
-      </p:sp>
-      <p:sp>
-        <p:nvSpPr>
-          <p:cNvPr id="136" name="Shape 136"/>
-          <p:cNvSpPr txBox="1"/>
-          <p:nvPr>
-            <p:ph idx="1" type="body"/>
-          </p:nvPr>
-        </p:nvSpPr>
-        <p:spPr>
-          <a:xfrm>
-            <a:off x="311700" y="1229875"/>
-            <a:ext cx="8520599" cy="3339000"/>
-          </a:xfrm>
-          <a:prstGeom prst="rect">
-            <a:avLst/>
-          </a:prstGeom>
-        </p:spPr>
-        <p:txBody>
-          <a:bodyPr anchorCtr="0" anchor="t" bIns="91425" lIns="91425" rIns="91425" tIns="91425">
-            <a:noAutofit/>
-          </a:bodyPr>
-          <a:lstStyle/>
-          <a:p>
-            <a:pPr indent="-228600" lvl="0" marL="457200" rtl="0">
-              <a:spcBef>
-                <a:spcPts val="0"/>
-              </a:spcBef>
-              <a:buChar char="-"/>
-            </a:pPr>
-            <a:r>
-              <a:rPr lang="en"/>
-              <a:t>To demonstrate knowledge of rails db</a:t>
-            </a:r>
-          </a:p>
-          <a:p>
-            <a:pPr indent="-228600" lvl="0" marL="457200" rtl="0">
-              <a:spcBef>
-                <a:spcPts val="0"/>
-              </a:spcBef>
-              <a:buChar char="-"/>
-            </a:pPr>
-            <a:r>
-              <a:rPr lang="en"/>
-              <a:t>Redirect to an external marketplace, where patients can filter health-related products or procedures based on the area of the body, illness, injury, etc.</a:t>
-            </a:r>
-          </a:p>
-          <a:p>
-            <a:pPr indent="-228600" lvl="1" marL="914400" rtl="0">
-              <a:spcBef>
-                <a:spcPts val="0"/>
-              </a:spcBef>
-              <a:buChar char="-"/>
-            </a:pPr>
-            <a:r>
-              <a:rPr lang="en" sz="1800"/>
-              <a:t>Allows users who are paying out-of-pocket to shop around</a:t>
-            </a:r>
-            <a:br>
-              <a:rPr lang="en"/>
-            </a:br>
-            <a:br>
-              <a:rPr lang="en"/>
-            </a:br>
-            <a:br>
-              <a:rPr lang="en"/>
-            </a:br>
+              <a:t>Tech specs</a:t>
+            </a:r>
           </a:p>
         </p:txBody>
       </p:sp>
@@ -7779,6 +9278,285 @@
 </file>
 
 <file path=ppt/theme/theme1.xml><?xml version="1.0" encoding="utf-8"?>
+<a:theme xmlns:a="http://schemas.openxmlformats.org/drawingml/2006/main" xmlns:r="http://schemas.openxmlformats.org/officeDocument/2006/relationships" name="Custom Theme">
+  <a:themeElements>
+    <a:clrScheme name="Default">
+      <a:dk1>
+        <a:srgbClr val="000000"/>
+      </a:dk1>
+      <a:lt1>
+        <a:srgbClr val="FFFFFF"/>
+      </a:lt1>
+      <a:dk2>
+        <a:srgbClr val="158158"/>
+      </a:dk2>
+      <a:lt2>
+        <a:srgbClr val="F3F3F3"/>
+      </a:lt2>
+      <a:accent1>
+        <a:srgbClr val="058DC7"/>
+      </a:accent1>
+      <a:accent2>
+        <a:srgbClr val="50B432"/>
+      </a:accent2>
+      <a:accent3>
+        <a:srgbClr val="ED561B"/>
+      </a:accent3>
+      <a:accent4>
+        <a:srgbClr val="EDEF00"/>
+      </a:accent4>
+      <a:accent5>
+        <a:srgbClr val="24CBE5"/>
+      </a:accent5>
+      <a:accent6>
+        <a:srgbClr val="64E572"/>
+      </a:accent6>
+      <a:hlink>
+        <a:srgbClr val="2200CC"/>
+      </a:hlink>
+      <a:folHlink>
+        <a:srgbClr val="551A8B"/>
+      </a:folHlink>
+    </a:clrScheme>
+    <a:fontScheme name="Office">
+      <a:majorFont>
+        <a:latin typeface="Arial"/>
+        <a:ea typeface=""/>
+        <a:cs typeface=""/>
+        <a:font script="Jpan" typeface="ＭＳ Ｐゴシック"/>
+        <a:font script="Hang" typeface="맑은 고딕"/>
+        <a:font script="Hans" typeface="宋体"/>
+        <a:font script="Hant" typeface="新細明體"/>
+        <a:font script="Arab" typeface="Times New Roman"/>
+        <a:font script="Hebr" typeface="Times New Roman"/>
+        <a:font script="Thai" typeface="Angsana New"/>
+        <a:font script="Ethi" typeface="Nyala"/>
+        <a:font script="Beng" typeface="Vrinda"/>
+        <a:font script="Gujr" typeface="Shruti"/>
+        <a:font script="Khmr" typeface="MoolBoran"/>
+        <a:font script="Knda" typeface="Tunga"/>
+        <a:font script="Guru" typeface="Raavi"/>
+        <a:font script="Cans" typeface="Euphemia"/>
+        <a:font script="Cher" typeface="Plantagenet Cherokee"/>
+        <a:font script="Yiii" typeface="Microsoft Yi Baiti"/>
+        <a:font script="Tibt" typeface="Microsoft Himalaya"/>
+        <a:font script="Thaa" typeface="MV Boli"/>
+        <a:font script="Deva" typeface="Mangal"/>
+        <a:font script="Telu" typeface="Gautami"/>
+        <a:font script="Taml" typeface="Latha"/>
+        <a:font script="Syrc" typeface="Estrangelo Edessa"/>
+        <a:font script="Orya" typeface="Kalinga"/>
+        <a:font script="Mlym" typeface="Kartika"/>
+        <a:font script="Laoo" typeface="DokChampa"/>
+        <a:font script="Sinh" typeface="Iskoola Pota"/>
+        <a:font script="Mong" typeface="Mongolian Baiti"/>
+        <a:font script="Viet" typeface="Times New Roman"/>
+        <a:font script="Uigh" typeface="Microsoft Uighur"/>
+        <a:font script="Geor" typeface="Sylfaen"/>
+      </a:majorFont>
+      <a:minorFont>
+        <a:latin typeface="Arial"/>
+        <a:ea typeface=""/>
+        <a:cs typeface=""/>
+        <a:font script="Jpan" typeface="ＭＳ Ｐゴシック"/>
+        <a:font script="Hang" typeface="맑은 고딕"/>
+        <a:font script="Hans" typeface="宋体"/>
+        <a:font script="Hant" typeface="新細明體"/>
+        <a:font script="Arab" typeface="Arial"/>
+        <a:font script="Hebr" typeface="Arial"/>
+        <a:font script="Thai" typeface="Cordia New"/>
+        <a:font script="Ethi" typeface="Nyala"/>
+        <a:font script="Beng" typeface="Vrinda"/>
+        <a:font script="Gujr" typeface="Shruti"/>
+        <a:font script="Khmr" typeface="DaunPenh"/>
+        <a:font script="Knda" typeface="Tunga"/>
+        <a:font script="Guru" typeface="Raavi"/>
+        <a:font script="Cans" typeface="Euphemia"/>
+        <a:font script="Cher" typeface="Plantagenet Cherokee"/>
+        <a:font script="Yiii" typeface="Microsoft Yi Baiti"/>
+        <a:font script="Tibt" typeface="Microsoft Himalaya"/>
+        <a:font script="Thaa" typeface="MV Boli"/>
+        <a:font script="Deva" typeface="Mangal"/>
+        <a:font script="Telu" typeface="Gautami"/>
+        <a:font script="Taml" typeface="Latha"/>
+        <a:font script="Syrc" typeface="Estrangelo Edessa"/>
+        <a:font script="Orya" typeface="Kalinga"/>
+        <a:font script="Mlym" typeface="Kartika"/>
+        <a:font script="Laoo" typeface="DokChampa"/>
+        <a:font script="Sinh" typeface="Iskoola Pota"/>
+        <a:font script="Mong" typeface="Mongolian Baiti"/>
+        <a:font script="Viet" typeface="Arial"/>
+        <a:font script="Uigh" typeface="Microsoft Uighur"/>
+        <a:font script="Geor" typeface="Sylfaen"/>
+      </a:minorFont>
+    </a:fontScheme>
+    <a:fmtScheme name="Office">
+      <a:fillStyleLst>
+        <a:solidFill>
+          <a:schemeClr val="phClr"/>
+        </a:solidFill>
+        <a:gradFill rotWithShape="1">
+          <a:gsLst>
+            <a:gs pos="0">
+              <a:schemeClr val="phClr">
+                <a:tint val="50000"/>
+                <a:satMod val="300000"/>
+              </a:schemeClr>
+            </a:gs>
+            <a:gs pos="35000">
+              <a:schemeClr val="phClr">
+                <a:tint val="37000"/>
+                <a:satMod val="300000"/>
+              </a:schemeClr>
+            </a:gs>
+            <a:gs pos="100000">
+              <a:schemeClr val="phClr">
+                <a:tint val="15000"/>
+                <a:satMod val="350000"/>
+              </a:schemeClr>
+            </a:gs>
+          </a:gsLst>
+          <a:lin ang="16200000" scaled="1"/>
+        </a:gradFill>
+        <a:gradFill rotWithShape="1">
+          <a:gsLst>
+            <a:gs pos="0">
+              <a:schemeClr val="phClr">
+                <a:tint val="100000"/>
+                <a:shade val="100000"/>
+                <a:satMod val="130000"/>
+              </a:schemeClr>
+            </a:gs>
+            <a:gs pos="100000">
+              <a:schemeClr val="phClr">
+                <a:tint val="50000"/>
+                <a:shade val="100000"/>
+                <a:satMod val="350000"/>
+              </a:schemeClr>
+            </a:gs>
+          </a:gsLst>
+          <a:lin ang="16200000" scaled="0"/>
+        </a:gradFill>
+      </a:fillStyleLst>
+      <a:lnStyleLst>
+        <a:ln w="9525" cap="flat" cmpd="sng" algn="ctr">
+          <a:solidFill>
+            <a:schemeClr val="phClr">
+              <a:shade val="95000"/>
+              <a:satMod val="105000"/>
+            </a:schemeClr>
+          </a:solidFill>
+          <a:prstDash val="solid"/>
+        </a:ln>
+        <a:ln w="25400" cap="flat" cmpd="sng" algn="ctr">
+          <a:solidFill>
+            <a:schemeClr val="phClr"/>
+          </a:solidFill>
+          <a:prstDash val="solid"/>
+        </a:ln>
+        <a:ln w="38100" cap="flat" cmpd="sng" algn="ctr">
+          <a:solidFill>
+            <a:schemeClr val="phClr"/>
+          </a:solidFill>
+          <a:prstDash val="solid"/>
+        </a:ln>
+      </a:lnStyleLst>
+      <a:effectStyleLst>
+        <a:effectStyle>
+          <a:effectLst>
+            <a:outerShdw blurRad="40000" dist="20000" dir="5400000" rotWithShape="0">
+              <a:srgbClr val="000000">
+                <a:alpha val="38000"/>
+              </a:srgbClr>
+            </a:outerShdw>
+          </a:effectLst>
+        </a:effectStyle>
+        <a:effectStyle>
+          <a:effectLst>
+            <a:outerShdw blurRad="40000" dist="23000" dir="5400000" rotWithShape="0">
+              <a:srgbClr val="000000">
+                <a:alpha val="35000"/>
+              </a:srgbClr>
+            </a:outerShdw>
+          </a:effectLst>
+        </a:effectStyle>
+        <a:effectStyle>
+          <a:effectLst>
+            <a:outerShdw blurRad="40000" dist="23000" dir="5400000" rotWithShape="0">
+              <a:srgbClr val="000000">
+                <a:alpha val="35000"/>
+              </a:srgbClr>
+            </a:outerShdw>
+          </a:effectLst>
+          <a:scene3d>
+            <a:camera prst="orthographicFront">
+              <a:rot lat="0" lon="0" rev="0"/>
+            </a:camera>
+            <a:lightRig rig="threePt" dir="t">
+              <a:rot lat="0" lon="0" rev="1200000"/>
+            </a:lightRig>
+          </a:scene3d>
+          <a:sp3d>
+            <a:bevelT w="63500" h="25400"/>
+          </a:sp3d>
+        </a:effectStyle>
+      </a:effectStyleLst>
+      <a:bgFillStyleLst>
+        <a:solidFill>
+          <a:schemeClr val="phClr"/>
+        </a:solidFill>
+        <a:gradFill rotWithShape="1">
+          <a:gsLst>
+            <a:gs pos="0">
+              <a:schemeClr val="phClr">
+                <a:tint val="40000"/>
+                <a:satMod val="350000"/>
+              </a:schemeClr>
+            </a:gs>
+            <a:gs pos="40000">
+              <a:schemeClr val="phClr">
+                <a:tint val="45000"/>
+                <a:shade val="99000"/>
+                <a:satMod val="350000"/>
+              </a:schemeClr>
+            </a:gs>
+            <a:gs pos="100000">
+              <a:schemeClr val="phClr">
+                <a:shade val="20000"/>
+                <a:satMod val="255000"/>
+              </a:schemeClr>
+            </a:gs>
+          </a:gsLst>
+          <a:path path="circle">
+            <a:fillToRect l="50000" t="-80000" r="50000" b="180000"/>
+          </a:path>
+        </a:gradFill>
+        <a:gradFill rotWithShape="1">
+          <a:gsLst>
+            <a:gs pos="0">
+              <a:schemeClr val="phClr">
+                <a:tint val="80000"/>
+                <a:satMod val="300000"/>
+              </a:schemeClr>
+            </a:gs>
+            <a:gs pos="100000">
+              <a:schemeClr val="phClr">
+                <a:shade val="30000"/>
+                <a:satMod val="200000"/>
+              </a:schemeClr>
+            </a:gs>
+          </a:gsLst>
+          <a:path path="circle">
+            <a:fillToRect l="50000" t="50000" r="50000" b="50000"/>
+          </a:path>
+        </a:gradFill>
+      </a:bgFillStyleLst>
+    </a:fmtScheme>
+  </a:themeElements>
+</a:theme>
+</file>
+
+<file path=ppt/theme/theme2.xml><?xml version="1.0" encoding="utf-8"?>
 <a:theme xmlns:a="http://schemas.openxmlformats.org/drawingml/2006/main" xmlns:r="http://schemas.openxmlformats.org/officeDocument/2006/relationships" name="geometric">
   <a:themeElements>
     <a:clrScheme name="Geometric">
@@ -8055,283 +9833,4 @@
     </a:fmtScheme>
   </a:themeElements>
 </a:theme>
-</file>
-
-<file path=ppt/theme/theme2.xml><?xml version="1.0" encoding="utf-8"?>
-<a:theme xmlns:a="http://schemas.openxmlformats.org/drawingml/2006/main" xmlns:r="http://schemas.openxmlformats.org/officeDocument/2006/relationships" name="Custom Theme">
-  <a:themeElements>
-    <a:clrScheme name="Default">
-      <a:dk1>
-        <a:srgbClr val="000000"/>
-      </a:dk1>
-      <a:lt1>
-        <a:srgbClr val="FFFFFF"/>
-      </a:lt1>
-      <a:dk2>
-        <a:srgbClr val="158158"/>
-      </a:dk2>
-      <a:lt2>
-        <a:srgbClr val="F3F3F3"/>
-      </a:lt2>
-      <a:accent1>
-        <a:srgbClr val="058DC7"/>
-      </a:accent1>
-      <a:accent2>
-        <a:srgbClr val="50B432"/>
-      </a:accent2>
-      <a:accent3>
-        <a:srgbClr val="ED561B"/>
-      </a:accent3>
-      <a:accent4>
-        <a:srgbClr val="EDEF00"/>
-      </a:accent4>
-      <a:accent5>
-        <a:srgbClr val="24CBE5"/>
-      </a:accent5>
-      <a:accent6>
-        <a:srgbClr val="64E572"/>
-      </a:accent6>
-      <a:hlink>
-        <a:srgbClr val="2200CC"/>
-      </a:hlink>
-      <a:folHlink>
-        <a:srgbClr val="551A8B"/>
-      </a:folHlink>
-    </a:clrScheme>
-    <a:fontScheme name="Office">
-      <a:majorFont>
-        <a:latin typeface="Arial"/>
-        <a:ea typeface=""/>
-        <a:cs typeface=""/>
-        <a:font script="Jpan" typeface="ＭＳ Ｐゴシック"/>
-        <a:font script="Hang" typeface="맑은 고딕"/>
-        <a:font script="Hans" typeface="宋体"/>
-        <a:font script="Hant" typeface="新細明體"/>
-        <a:font script="Arab" typeface="Times New Roman"/>
-        <a:font script="Hebr" typeface="Times New Roman"/>
-        <a:font script="Thai" typeface="Angsana New"/>
-        <a:font script="Ethi" typeface="Nyala"/>
-        <a:font script="Beng" typeface="Vrinda"/>
-        <a:font script="Gujr" typeface="Shruti"/>
-        <a:font script="Khmr" typeface="MoolBoran"/>
-        <a:font script="Knda" typeface="Tunga"/>
-        <a:font script="Guru" typeface="Raavi"/>
-        <a:font script="Cans" typeface="Euphemia"/>
-        <a:font script="Cher" typeface="Plantagenet Cherokee"/>
-        <a:font script="Yiii" typeface="Microsoft Yi Baiti"/>
-        <a:font script="Tibt" typeface="Microsoft Himalaya"/>
-        <a:font script="Thaa" typeface="MV Boli"/>
-        <a:font script="Deva" typeface="Mangal"/>
-        <a:font script="Telu" typeface="Gautami"/>
-        <a:font script="Taml" typeface="Latha"/>
-        <a:font script="Syrc" typeface="Estrangelo Edessa"/>
-        <a:font script="Orya" typeface="Kalinga"/>
-        <a:font script="Mlym" typeface="Kartika"/>
-        <a:font script="Laoo" typeface="DokChampa"/>
-        <a:font script="Sinh" typeface="Iskoola Pota"/>
-        <a:font script="Mong" typeface="Mongolian Baiti"/>
-        <a:font script="Viet" typeface="Times New Roman"/>
-        <a:font script="Uigh" typeface="Microsoft Uighur"/>
-        <a:font script="Geor" typeface="Sylfaen"/>
-      </a:majorFont>
-      <a:minorFont>
-        <a:latin typeface="Arial"/>
-        <a:ea typeface=""/>
-        <a:cs typeface=""/>
-        <a:font script="Jpan" typeface="ＭＳ Ｐゴシック"/>
-        <a:font script="Hang" typeface="맑은 고딕"/>
-        <a:font script="Hans" typeface="宋体"/>
-        <a:font script="Hant" typeface="新細明體"/>
-        <a:font script="Arab" typeface="Arial"/>
-        <a:font script="Hebr" typeface="Arial"/>
-        <a:font script="Thai" typeface="Cordia New"/>
-        <a:font script="Ethi" typeface="Nyala"/>
-        <a:font script="Beng" typeface="Vrinda"/>
-        <a:font script="Gujr" typeface="Shruti"/>
-        <a:font script="Khmr" typeface="DaunPenh"/>
-        <a:font script="Knda" typeface="Tunga"/>
-        <a:font script="Guru" typeface="Raavi"/>
-        <a:font script="Cans" typeface="Euphemia"/>
-        <a:font script="Cher" typeface="Plantagenet Cherokee"/>
-        <a:font script="Yiii" typeface="Microsoft Yi Baiti"/>
-        <a:font script="Tibt" typeface="Microsoft Himalaya"/>
-        <a:font script="Thaa" typeface="MV Boli"/>
-        <a:font script="Deva" typeface="Mangal"/>
-        <a:font script="Telu" typeface="Gautami"/>
-        <a:font script="Taml" typeface="Latha"/>
-        <a:font script="Syrc" typeface="Estrangelo Edessa"/>
-        <a:font script="Orya" typeface="Kalinga"/>
-        <a:font script="Mlym" typeface="Kartika"/>
-        <a:font script="Laoo" typeface="DokChampa"/>
-        <a:font script="Sinh" typeface="Iskoola Pota"/>
-        <a:font script="Mong" typeface="Mongolian Baiti"/>
-        <a:font script="Viet" typeface="Arial"/>
-        <a:font script="Uigh" typeface="Microsoft Uighur"/>
-        <a:font script="Geor" typeface="Sylfaen"/>
-      </a:minorFont>
-    </a:fontScheme>
-    <a:fmtScheme name="Office">
-      <a:fillStyleLst>
-        <a:solidFill>
-          <a:schemeClr val="phClr"/>
-        </a:solidFill>
-        <a:gradFill rotWithShape="1">
-          <a:gsLst>
-            <a:gs pos="0">
-              <a:schemeClr val="phClr">
-                <a:tint val="50000"/>
-                <a:satMod val="300000"/>
-              </a:schemeClr>
-            </a:gs>
-            <a:gs pos="35000">
-              <a:schemeClr val="phClr">
-                <a:tint val="37000"/>
-                <a:satMod val="300000"/>
-              </a:schemeClr>
-            </a:gs>
-            <a:gs pos="100000">
-              <a:schemeClr val="phClr">
-                <a:tint val="15000"/>
-                <a:satMod val="350000"/>
-              </a:schemeClr>
-            </a:gs>
-          </a:gsLst>
-          <a:lin ang="16200000" scaled="1"/>
-        </a:gradFill>
-        <a:gradFill rotWithShape="1">
-          <a:gsLst>
-            <a:gs pos="0">
-              <a:schemeClr val="phClr">
-                <a:tint val="100000"/>
-                <a:shade val="100000"/>
-                <a:satMod val="130000"/>
-              </a:schemeClr>
-            </a:gs>
-            <a:gs pos="100000">
-              <a:schemeClr val="phClr">
-                <a:tint val="50000"/>
-                <a:shade val="100000"/>
-                <a:satMod val="350000"/>
-              </a:schemeClr>
-            </a:gs>
-          </a:gsLst>
-          <a:lin ang="16200000" scaled="0"/>
-        </a:gradFill>
-      </a:fillStyleLst>
-      <a:lnStyleLst>
-        <a:ln w="9525" cap="flat" cmpd="sng" algn="ctr">
-          <a:solidFill>
-            <a:schemeClr val="phClr">
-              <a:shade val="95000"/>
-              <a:satMod val="105000"/>
-            </a:schemeClr>
-          </a:solidFill>
-          <a:prstDash val="solid"/>
-        </a:ln>
-        <a:ln w="25400" cap="flat" cmpd="sng" algn="ctr">
-          <a:solidFill>
-            <a:schemeClr val="phClr"/>
-          </a:solidFill>
-          <a:prstDash val="solid"/>
-        </a:ln>
-        <a:ln w="38100" cap="flat" cmpd="sng" algn="ctr">
-          <a:solidFill>
-            <a:schemeClr val="phClr"/>
-          </a:solidFill>
-          <a:prstDash val="solid"/>
-        </a:ln>
-      </a:lnStyleLst>
-      <a:effectStyleLst>
-        <a:effectStyle>
-          <a:effectLst>
-            <a:outerShdw blurRad="40000" dist="20000" dir="5400000" rotWithShape="0">
-              <a:srgbClr val="000000">
-                <a:alpha val="38000"/>
-              </a:srgbClr>
-            </a:outerShdw>
-          </a:effectLst>
-        </a:effectStyle>
-        <a:effectStyle>
-          <a:effectLst>
-            <a:outerShdw blurRad="40000" dist="23000" dir="5400000" rotWithShape="0">
-              <a:srgbClr val="000000">
-                <a:alpha val="35000"/>
-              </a:srgbClr>
-            </a:outerShdw>
-          </a:effectLst>
-        </a:effectStyle>
-        <a:effectStyle>
-          <a:effectLst>
-            <a:outerShdw blurRad="40000" dist="23000" dir="5400000" rotWithShape="0">
-              <a:srgbClr val="000000">
-                <a:alpha val="35000"/>
-              </a:srgbClr>
-            </a:outerShdw>
-          </a:effectLst>
-          <a:scene3d>
-            <a:camera prst="orthographicFront">
-              <a:rot lat="0" lon="0" rev="0"/>
-            </a:camera>
-            <a:lightRig rig="threePt" dir="t">
-              <a:rot lat="0" lon="0" rev="1200000"/>
-            </a:lightRig>
-          </a:scene3d>
-          <a:sp3d>
-            <a:bevelT w="63500" h="25400"/>
-          </a:sp3d>
-        </a:effectStyle>
-      </a:effectStyleLst>
-      <a:bgFillStyleLst>
-        <a:solidFill>
-          <a:schemeClr val="phClr"/>
-        </a:solidFill>
-        <a:gradFill rotWithShape="1">
-          <a:gsLst>
-            <a:gs pos="0">
-              <a:schemeClr val="phClr">
-                <a:tint val="40000"/>
-                <a:satMod val="350000"/>
-              </a:schemeClr>
-            </a:gs>
-            <a:gs pos="40000">
-              <a:schemeClr val="phClr">
-                <a:tint val="45000"/>
-                <a:shade val="99000"/>
-                <a:satMod val="350000"/>
-              </a:schemeClr>
-            </a:gs>
-            <a:gs pos="100000">
-              <a:schemeClr val="phClr">
-                <a:shade val="20000"/>
-                <a:satMod val="255000"/>
-              </a:schemeClr>
-            </a:gs>
-          </a:gsLst>
-          <a:path path="circle">
-            <a:fillToRect l="50000" t="-80000" r="50000" b="180000"/>
-          </a:path>
-        </a:gradFill>
-        <a:gradFill rotWithShape="1">
-          <a:gsLst>
-            <a:gs pos="0">
-              <a:schemeClr val="phClr">
-                <a:tint val="80000"/>
-                <a:satMod val="300000"/>
-              </a:schemeClr>
-            </a:gs>
-            <a:gs pos="100000">
-              <a:schemeClr val="phClr">
-                <a:shade val="30000"/>
-                <a:satMod val="200000"/>
-              </a:schemeClr>
-            </a:gs>
-          </a:gsLst>
-          <a:path path="circle">
-            <a:fillToRect l="50000" t="50000" r="50000" b="50000"/>
-          </a:path>
-        </a:gradFill>
-      </a:bgFillStyleLst>
-    </a:fmtScheme>
-  </a:themeElements>
-</a:theme>
 </file>